--- a/ts.pptx
+++ b/ts.pptx
@@ -2,19 +2,19 @@
 <file path=ppt/presentation.xml><?xml version="1.0" encoding="utf-8"?>
 <p:presentation xmlns:a="http://schemas.openxmlformats.org/drawingml/2006/main" xmlns:r="http://schemas.openxmlformats.org/officeDocument/2006/relationships" xmlns:p="http://schemas.openxmlformats.org/presentationml/2006/main" saveSubsetFonts="1">
   <p:sldMasterIdLst>
-    <p:sldMasterId id="2147483648" r:id="rId1"/>
+    <p:sldMasterId id="2147483672" r:id="rId1"/>
   </p:sldMasterIdLst>
   <p:sldIdLst>
     <p:sldId id="256" r:id="rId2"/>
     <p:sldId id="257" r:id="rId3"/>
     <p:sldId id="258" r:id="rId4"/>
-    <p:sldId id="259" r:id="rId5"/>
-    <p:sldId id="260" r:id="rId6"/>
-    <p:sldId id="262" r:id="rId7"/>
-    <p:sldId id="261" r:id="rId8"/>
-    <p:sldId id="263" r:id="rId9"/>
-    <p:sldId id="264" r:id="rId10"/>
-    <p:sldId id="265" r:id="rId11"/>
+    <p:sldId id="266" r:id="rId5"/>
+    <p:sldId id="259" r:id="rId6"/>
+    <p:sldId id="260" r:id="rId7"/>
+    <p:sldId id="262" r:id="rId8"/>
+    <p:sldId id="261" r:id="rId9"/>
+    <p:sldId id="263" r:id="rId10"/>
+    <p:sldId id="267" r:id="rId11"/>
   </p:sldIdLst>
   <p:sldSz cx="12192000" cy="6858000"/>
   <p:notesSz cx="6858000" cy="9144000"/>
@@ -22,7 +22,7 @@
     <a:defPPr>
       <a:defRPr lang="en-US"/>
     </a:defPPr>
-    <a:lvl1pPr marL="0" algn="l" defTabSz="914400" rtl="0" eaLnBrk="1" latinLnBrk="0" hangingPunct="1">
+    <a:lvl1pPr marL="0" algn="l" defTabSz="457200" rtl="0" eaLnBrk="1" latinLnBrk="0" hangingPunct="1">
       <a:defRPr sz="1800" kern="1200">
         <a:solidFill>
           <a:schemeClr val="tx1"/>
@@ -32,7 +32,7 @@
         <a:cs typeface="+mn-cs"/>
       </a:defRPr>
     </a:lvl1pPr>
-    <a:lvl2pPr marL="457200" algn="l" defTabSz="914400" rtl="0" eaLnBrk="1" latinLnBrk="0" hangingPunct="1">
+    <a:lvl2pPr marL="457200" algn="l" defTabSz="457200" rtl="0" eaLnBrk="1" latinLnBrk="0" hangingPunct="1">
       <a:defRPr sz="1800" kern="1200">
         <a:solidFill>
           <a:schemeClr val="tx1"/>
@@ -42,7 +42,7 @@
         <a:cs typeface="+mn-cs"/>
       </a:defRPr>
     </a:lvl2pPr>
-    <a:lvl3pPr marL="914400" algn="l" defTabSz="914400" rtl="0" eaLnBrk="1" latinLnBrk="0" hangingPunct="1">
+    <a:lvl3pPr marL="914400" algn="l" defTabSz="457200" rtl="0" eaLnBrk="1" latinLnBrk="0" hangingPunct="1">
       <a:defRPr sz="1800" kern="1200">
         <a:solidFill>
           <a:schemeClr val="tx1"/>
@@ -52,7 +52,7 @@
         <a:cs typeface="+mn-cs"/>
       </a:defRPr>
     </a:lvl3pPr>
-    <a:lvl4pPr marL="1371600" algn="l" defTabSz="914400" rtl="0" eaLnBrk="1" latinLnBrk="0" hangingPunct="1">
+    <a:lvl4pPr marL="1371600" algn="l" defTabSz="457200" rtl="0" eaLnBrk="1" latinLnBrk="0" hangingPunct="1">
       <a:defRPr sz="1800" kern="1200">
         <a:solidFill>
           <a:schemeClr val="tx1"/>
@@ -62,7 +62,7 @@
         <a:cs typeface="+mn-cs"/>
       </a:defRPr>
     </a:lvl4pPr>
-    <a:lvl5pPr marL="1828800" algn="l" defTabSz="914400" rtl="0" eaLnBrk="1" latinLnBrk="0" hangingPunct="1">
+    <a:lvl5pPr marL="1828800" algn="l" defTabSz="457200" rtl="0" eaLnBrk="1" latinLnBrk="0" hangingPunct="1">
       <a:defRPr sz="1800" kern="1200">
         <a:solidFill>
           <a:schemeClr val="tx1"/>
@@ -72,7 +72,7 @@
         <a:cs typeface="+mn-cs"/>
       </a:defRPr>
     </a:lvl5pPr>
-    <a:lvl6pPr marL="2286000" algn="l" defTabSz="914400" rtl="0" eaLnBrk="1" latinLnBrk="0" hangingPunct="1">
+    <a:lvl6pPr marL="2286000" algn="l" defTabSz="457200" rtl="0" eaLnBrk="1" latinLnBrk="0" hangingPunct="1">
       <a:defRPr sz="1800" kern="1200">
         <a:solidFill>
           <a:schemeClr val="tx1"/>
@@ -82,7 +82,7 @@
         <a:cs typeface="+mn-cs"/>
       </a:defRPr>
     </a:lvl6pPr>
-    <a:lvl7pPr marL="2743200" algn="l" defTabSz="914400" rtl="0" eaLnBrk="1" latinLnBrk="0" hangingPunct="1">
+    <a:lvl7pPr marL="2743200" algn="l" defTabSz="457200" rtl="0" eaLnBrk="1" latinLnBrk="0" hangingPunct="1">
       <a:defRPr sz="1800" kern="1200">
         <a:solidFill>
           <a:schemeClr val="tx1"/>
@@ -92,7 +92,7 @@
         <a:cs typeface="+mn-cs"/>
       </a:defRPr>
     </a:lvl7pPr>
-    <a:lvl8pPr marL="3200400" algn="l" defTabSz="914400" rtl="0" eaLnBrk="1" latinLnBrk="0" hangingPunct="1">
+    <a:lvl8pPr marL="3200400" algn="l" defTabSz="457200" rtl="0" eaLnBrk="1" latinLnBrk="0" hangingPunct="1">
       <a:defRPr sz="1800" kern="1200">
         <a:solidFill>
           <a:schemeClr val="tx1"/>
@@ -102,7 +102,7 @@
         <a:cs typeface="+mn-cs"/>
       </a:defRPr>
     </a:lvl8pPr>
-    <a:lvl9pPr marL="3657600" algn="l" defTabSz="914400" rtl="0" eaLnBrk="1" latinLnBrk="0" hangingPunct="1">
+    <a:lvl9pPr marL="3657600" algn="l" defTabSz="457200" rtl="0" eaLnBrk="1" latinLnBrk="0" hangingPunct="1">
       <a:defRPr sz="1800" kern="1200">
         <a:solidFill>
           <a:schemeClr val="tx1"/>
@@ -122,7 +122,7 @@
 </file>
 
 <file path=ppt/slideLayouts/slideLayout1.xml><?xml version="1.0" encoding="utf-8"?>
-<p:sldLayout xmlns:a="http://schemas.openxmlformats.org/drawingml/2006/main" xmlns:r="http://schemas.openxmlformats.org/officeDocument/2006/relationships" xmlns:p="http://schemas.openxmlformats.org/presentationml/2006/main" type="title" preserve="1">
+<p:sldLayout xmlns:a="http://schemas.openxmlformats.org/drawingml/2006/main" xmlns:r="http://schemas.openxmlformats.org/officeDocument/2006/relationships" xmlns:p="http://schemas.openxmlformats.org/presentationml/2006/main" showMasterSp="0" type="title" preserve="1">
   <p:cSld name="Title Slide">
     <p:spTree>
       <p:nvGrpSpPr>
@@ -140,25 +140,113 @@
       </p:grpSpPr>
       <p:sp>
         <p:nvSpPr>
-          <p:cNvPr id="2" name="Title 1"/>
-          <p:cNvSpPr>
-            <a:spLocks noGrp="1"/>
-          </p:cNvSpPr>
-          <p:nvPr>
-            <p:ph type="ctrTitle"/>
-          </p:nvPr>
+          <p:cNvPr id="7" name="Rectangle 6"/>
+          <p:cNvSpPr/>
+          <p:nvPr/>
         </p:nvSpPr>
         <p:spPr>
           <a:xfrm>
-            <a:off x="1524000" y="1122363"/>
-            <a:ext cx="9144000" cy="2387600"/>
+            <a:off x="3175" y="6400800"/>
+            <a:ext cx="12188825" cy="457200"/>
+          </a:xfrm>
+          <a:prstGeom prst="rect">
+            <a:avLst/>
+          </a:prstGeom>
+          <a:solidFill>
+            <a:schemeClr val="accent2"/>
+          </a:solidFill>
+          <a:ln>
+            <a:noFill/>
+          </a:ln>
+        </p:spPr>
+        <p:style>
+          <a:lnRef idx="2">
+            <a:schemeClr val="accent1">
+              <a:shade val="50000"/>
+            </a:schemeClr>
+          </a:lnRef>
+          <a:fillRef idx="1">
+            <a:schemeClr val="accent1"/>
+          </a:fillRef>
+          <a:effectRef idx="0">
+            <a:schemeClr val="accent1"/>
+          </a:effectRef>
+          <a:fontRef idx="minor">
+            <a:schemeClr val="lt1"/>
+          </a:fontRef>
+        </p:style>
+      </p:sp>
+      <p:sp>
+        <p:nvSpPr>
+          <p:cNvPr id="8" name="Rectangle 7"/>
+          <p:cNvSpPr/>
+          <p:nvPr/>
+        </p:nvSpPr>
+        <p:spPr>
+          <a:xfrm>
+            <a:off x="15" y="6334316"/>
+            <a:ext cx="12188825" cy="64008"/>
+          </a:xfrm>
+          <a:prstGeom prst="rect">
+            <a:avLst/>
+          </a:prstGeom>
+          <a:solidFill>
+            <a:schemeClr val="accent1"/>
+          </a:solidFill>
+          <a:ln>
+            <a:noFill/>
+          </a:ln>
+        </p:spPr>
+        <p:style>
+          <a:lnRef idx="2">
+            <a:schemeClr val="accent1">
+              <a:shade val="50000"/>
+            </a:schemeClr>
+          </a:lnRef>
+          <a:fillRef idx="1">
+            <a:schemeClr val="accent1"/>
+          </a:fillRef>
+          <a:effectRef idx="0">
+            <a:schemeClr val="accent1"/>
+          </a:effectRef>
+          <a:fontRef idx="minor">
+            <a:schemeClr val="lt1"/>
+          </a:fontRef>
+        </p:style>
+      </p:sp>
+      <p:sp>
+        <p:nvSpPr>
+          <p:cNvPr id="2" name="Title 1"/>
+          <p:cNvSpPr>
+            <a:spLocks noGrp="1"/>
+          </p:cNvSpPr>
+          <p:nvPr>
+            <p:ph type="ctrTitle"/>
+          </p:nvPr>
+        </p:nvSpPr>
+        <p:spPr>
+          <a:xfrm>
+            <a:off x="1097280" y="758952"/>
+            <a:ext cx="10058400" cy="3566160"/>
           </a:xfrm>
         </p:spPr>
         <p:txBody>
-          <a:bodyPr anchor="b"/>
+          <a:bodyPr anchor="b">
+            <a:normAutofit/>
+          </a:bodyPr>
           <a:lstStyle>
-            <a:lvl1pPr algn="ctr">
-              <a:defRPr sz="6000"/>
+            <a:lvl1pPr algn="l">
+              <a:lnSpc>
+                <a:spcPct val="85000"/>
+              </a:lnSpc>
+              <a:defRPr sz="8000" spc="-50" baseline="0">
+                <a:solidFill>
+                  <a:schemeClr val="tx1">
+                    <a:lumMod val="85000"/>
+                    <a:lumOff val="15000"/>
+                  </a:schemeClr>
+                </a:solidFill>
+              </a:defRPr>
             </a:lvl1pPr>
           </a:lstStyle>
           <a:p>
@@ -166,6 +254,7 @@
               <a:rPr lang="en-US"/>
               <a:t>Click to edit Master title style</a:t>
             </a:r>
+            <a:endParaRPr lang="en-US" dirty="0"/>
           </a:p>
         </p:txBody>
       </p:sp>
@@ -181,48 +270,55 @@
         </p:nvSpPr>
         <p:spPr>
           <a:xfrm>
-            <a:off x="1524000" y="3602038"/>
-            <a:ext cx="9144000" cy="1655762"/>
+            <a:off x="1100051" y="4455620"/>
+            <a:ext cx="10058400" cy="1143000"/>
           </a:xfrm>
         </p:spPr>
         <p:txBody>
-          <a:bodyPr/>
+          <a:bodyPr lIns="91440" rIns="91440">
+            <a:normAutofit/>
+          </a:bodyPr>
           <a:lstStyle>
-            <a:lvl1pPr marL="0" indent="0" algn="ctr">
-              <a:buNone/>
-              <a:defRPr sz="2400"/>
+            <a:lvl1pPr marL="0" indent="0" algn="l">
+              <a:buNone/>
+              <a:defRPr sz="2400" cap="all" spc="200" baseline="0">
+                <a:solidFill>
+                  <a:schemeClr val="tx2"/>
+                </a:solidFill>
+                <a:latin typeface="+mj-lt"/>
+              </a:defRPr>
             </a:lvl1pPr>
             <a:lvl2pPr marL="457200" indent="0" algn="ctr">
               <a:buNone/>
-              <a:defRPr sz="2000"/>
+              <a:defRPr sz="2400"/>
             </a:lvl2pPr>
             <a:lvl3pPr marL="914400" indent="0" algn="ctr">
               <a:buNone/>
-              <a:defRPr sz="1800"/>
+              <a:defRPr sz="2400"/>
             </a:lvl3pPr>
             <a:lvl4pPr marL="1371600" indent="0" algn="ctr">
               <a:buNone/>
-              <a:defRPr sz="1600"/>
+              <a:defRPr sz="2000"/>
             </a:lvl4pPr>
             <a:lvl5pPr marL="1828800" indent="0" algn="ctr">
               <a:buNone/>
-              <a:defRPr sz="1600"/>
+              <a:defRPr sz="2000"/>
             </a:lvl5pPr>
             <a:lvl6pPr marL="2286000" indent="0" algn="ctr">
               <a:buNone/>
-              <a:defRPr sz="1600"/>
+              <a:defRPr sz="2000"/>
             </a:lvl6pPr>
             <a:lvl7pPr marL="2743200" indent="0" algn="ctr">
               <a:buNone/>
-              <a:defRPr sz="1600"/>
+              <a:defRPr sz="2000"/>
             </a:lvl7pPr>
             <a:lvl8pPr marL="3200400" indent="0" algn="ctr">
               <a:buNone/>
-              <a:defRPr sz="1600"/>
+              <a:defRPr sz="2000"/>
             </a:lvl8pPr>
             <a:lvl9pPr marL="3657600" indent="0" algn="ctr">
               <a:buNone/>
-              <a:defRPr sz="1600"/>
+              <a:defRPr sz="2000"/>
             </a:lvl9pPr>
           </a:lstStyle>
           <a:p>
@@ -230,6 +326,7 @@
               <a:rPr lang="en-US"/>
               <a:t>Click to edit Master subtitle style</a:t>
             </a:r>
+            <a:endParaRPr lang="en-US" dirty="0"/>
           </a:p>
         </p:txBody>
       </p:sp>
@@ -250,7 +347,7 @@
           <a:p>
             <a:fld id="{D5279824-C717-4B52-9E7D-7B6B13CAFE89}" type="datetimeFigureOut">
               <a:rPr lang="en-US" smtClean="0"/>
-              <a:t>2/9/2017</a:t>
+              <a:t>3/18/2017</a:t>
             </a:fld>
             <a:endParaRPr lang="en-US"/>
           </a:p>
@@ -298,10 +395,48 @@
           </a:p>
         </p:txBody>
       </p:sp>
+      <p:cxnSp>
+        <p:nvCxnSpPr>
+          <p:cNvPr id="9" name="Straight Connector 8"/>
+          <p:cNvCxnSpPr/>
+          <p:nvPr/>
+        </p:nvCxnSpPr>
+        <p:spPr>
+          <a:xfrm>
+            <a:off x="1207658" y="4343400"/>
+            <a:ext cx="9875520" cy="0"/>
+          </a:xfrm>
+          <a:prstGeom prst="line">
+            <a:avLst/>
+          </a:prstGeom>
+          <a:ln w="6350">
+            <a:solidFill>
+              <a:schemeClr val="tx1">
+                <a:lumMod val="50000"/>
+                <a:lumOff val="50000"/>
+              </a:schemeClr>
+            </a:solidFill>
+          </a:ln>
+        </p:spPr>
+        <p:style>
+          <a:lnRef idx="1">
+            <a:schemeClr val="accent1"/>
+          </a:lnRef>
+          <a:fillRef idx="0">
+            <a:schemeClr val="accent1"/>
+          </a:fillRef>
+          <a:effectRef idx="0">
+            <a:schemeClr val="accent1"/>
+          </a:effectRef>
+          <a:fontRef idx="minor">
+            <a:schemeClr val="tx1"/>
+          </a:fontRef>
+        </p:style>
+      </p:cxnSp>
     </p:spTree>
     <p:extLst>
       <p:ext uri="{BB962C8B-B14F-4D97-AF65-F5344CB8AC3E}">
-        <p14:creationId xmlns:p14="http://schemas.microsoft.com/office/powerpoint/2010/main" val="3355116728"/>
+        <p14:creationId xmlns:p14="http://schemas.microsoft.com/office/powerpoint/2010/main" val="1722581654"/>
       </p:ext>
     </p:extLst>
   </p:cSld>
@@ -347,6 +482,7 @@
               <a:rPr lang="en-US"/>
               <a:t>Click to edit Master title style</a:t>
             </a:r>
+            <a:endParaRPr lang="en-US" dirty="0"/>
           </a:p>
         </p:txBody>
       </p:sp>
@@ -362,7 +498,7 @@
         </p:nvSpPr>
         <p:spPr/>
         <p:txBody>
-          <a:bodyPr vert="eaVert"/>
+          <a:bodyPr vert="eaVert" lIns="45720" tIns="0" rIns="45720" bIns="0"/>
           <a:lstStyle/>
           <a:p>
             <a:pPr lvl="0"/>
@@ -398,6 +534,7 @@
               <a:rPr lang="en-US"/>
               <a:t>Fifth level</a:t>
             </a:r>
+            <a:endParaRPr lang="en-US" dirty="0"/>
           </a:p>
         </p:txBody>
       </p:sp>
@@ -418,7 +555,7 @@
           <a:p>
             <a:fld id="{D5279824-C717-4B52-9E7D-7B6B13CAFE89}" type="datetimeFigureOut">
               <a:rPr lang="en-US" smtClean="0"/>
-              <a:t>2/9/2017</a:t>
+              <a:t>3/18/2017</a:t>
             </a:fld>
             <a:endParaRPr lang="en-US"/>
           </a:p>
@@ -469,7 +606,7 @@
     </p:spTree>
     <p:extLst>
       <p:ext uri="{BB962C8B-B14F-4D97-AF65-F5344CB8AC3E}">
-        <p14:creationId xmlns:p14="http://schemas.microsoft.com/office/powerpoint/2010/main" val="786264962"/>
+        <p14:creationId xmlns:p14="http://schemas.microsoft.com/office/powerpoint/2010/main" val="1847628904"/>
       </p:ext>
     </p:extLst>
   </p:cSld>
@@ -480,7 +617,7 @@
 </file>
 
 <file path=ppt/slideLayouts/slideLayout11.xml><?xml version="1.0" encoding="utf-8"?>
-<p:sldLayout xmlns:a="http://schemas.openxmlformats.org/drawingml/2006/main" xmlns:r="http://schemas.openxmlformats.org/officeDocument/2006/relationships" xmlns:p="http://schemas.openxmlformats.org/presentationml/2006/main" type="vertTitleAndTx" preserve="1">
+<p:sldLayout xmlns:a="http://schemas.openxmlformats.org/drawingml/2006/main" xmlns:r="http://schemas.openxmlformats.org/officeDocument/2006/relationships" xmlns:p="http://schemas.openxmlformats.org/presentationml/2006/main" showMasterSp="0" type="vertTitleAndTx" preserve="1">
   <p:cSld name="Vertical Title and Text">
     <p:spTree>
       <p:nvGrpSpPr>
@@ -498,18 +635,94 @@
       </p:grpSpPr>
       <p:sp>
         <p:nvSpPr>
-          <p:cNvPr id="2" name="Vertical Title 1"/>
-          <p:cNvSpPr>
-            <a:spLocks noGrp="1"/>
-          </p:cNvSpPr>
-          <p:nvPr>
-            <p:ph type="title" orient="vert"/>
-          </p:nvPr>
+          <p:cNvPr id="7" name="Rectangle 6"/>
+          <p:cNvSpPr/>
+          <p:nvPr/>
         </p:nvSpPr>
         <p:spPr>
           <a:xfrm>
-            <a:off x="8724900" y="365125"/>
-            <a:ext cx="2628900" cy="5811838"/>
+            <a:off x="3175" y="6400800"/>
+            <a:ext cx="12188825" cy="457200"/>
+          </a:xfrm>
+          <a:prstGeom prst="rect">
+            <a:avLst/>
+          </a:prstGeom>
+          <a:solidFill>
+            <a:schemeClr val="accent2"/>
+          </a:solidFill>
+          <a:ln>
+            <a:noFill/>
+          </a:ln>
+        </p:spPr>
+        <p:style>
+          <a:lnRef idx="2">
+            <a:schemeClr val="accent1">
+              <a:shade val="50000"/>
+            </a:schemeClr>
+          </a:lnRef>
+          <a:fillRef idx="1">
+            <a:schemeClr val="accent1"/>
+          </a:fillRef>
+          <a:effectRef idx="0">
+            <a:schemeClr val="accent1"/>
+          </a:effectRef>
+          <a:fontRef idx="minor">
+            <a:schemeClr val="lt1"/>
+          </a:fontRef>
+        </p:style>
+      </p:sp>
+      <p:sp>
+        <p:nvSpPr>
+          <p:cNvPr id="8" name="Rectangle 7"/>
+          <p:cNvSpPr/>
+          <p:nvPr/>
+        </p:nvSpPr>
+        <p:spPr>
+          <a:xfrm>
+            <a:off x="15" y="6334316"/>
+            <a:ext cx="12188825" cy="64008"/>
+          </a:xfrm>
+          <a:prstGeom prst="rect">
+            <a:avLst/>
+          </a:prstGeom>
+          <a:solidFill>
+            <a:schemeClr val="accent1"/>
+          </a:solidFill>
+          <a:ln>
+            <a:noFill/>
+          </a:ln>
+        </p:spPr>
+        <p:style>
+          <a:lnRef idx="2">
+            <a:schemeClr val="accent1">
+              <a:shade val="50000"/>
+            </a:schemeClr>
+          </a:lnRef>
+          <a:fillRef idx="1">
+            <a:schemeClr val="accent1"/>
+          </a:fillRef>
+          <a:effectRef idx="0">
+            <a:schemeClr val="accent1"/>
+          </a:effectRef>
+          <a:fontRef idx="minor">
+            <a:schemeClr val="lt1"/>
+          </a:fontRef>
+        </p:style>
+      </p:sp>
+      <p:sp>
+        <p:nvSpPr>
+          <p:cNvPr id="2" name="Vertical Title 1"/>
+          <p:cNvSpPr>
+            <a:spLocks noGrp="1"/>
+          </p:cNvSpPr>
+          <p:nvPr>
+            <p:ph type="title" orient="vert"/>
+          </p:nvPr>
+        </p:nvSpPr>
+        <p:spPr>
+          <a:xfrm>
+            <a:off x="8724900" y="414778"/>
+            <a:ext cx="2628900" cy="5757421"/>
           </a:xfrm>
         </p:spPr>
         <p:txBody>
@@ -520,6 +733,7 @@
               <a:rPr lang="en-US"/>
               <a:t>Click to edit Master title style</a:t>
             </a:r>
+            <a:endParaRPr lang="en-US" dirty="0"/>
           </a:p>
         </p:txBody>
       </p:sp>
@@ -535,12 +749,12 @@
         </p:nvSpPr>
         <p:spPr>
           <a:xfrm>
-            <a:off x="838200" y="365125"/>
-            <a:ext cx="7734300" cy="5811838"/>
+            <a:off x="838200" y="414778"/>
+            <a:ext cx="7734300" cy="5757422"/>
           </a:xfrm>
         </p:spPr>
         <p:txBody>
-          <a:bodyPr vert="eaVert"/>
+          <a:bodyPr vert="eaVert" lIns="45720" tIns="0" rIns="45720" bIns="0"/>
           <a:lstStyle/>
           <a:p>
             <a:pPr lvl="0"/>
@@ -576,6 +790,7 @@
               <a:rPr lang="en-US"/>
               <a:t>Fifth level</a:t>
             </a:r>
+            <a:endParaRPr lang="en-US" dirty="0"/>
           </a:p>
         </p:txBody>
       </p:sp>
@@ -596,7 +811,7 @@
           <a:p>
             <a:fld id="{D5279824-C717-4B52-9E7D-7B6B13CAFE89}" type="datetimeFigureOut">
               <a:rPr lang="en-US" smtClean="0"/>
-              <a:t>2/9/2017</a:t>
+              <a:t>3/18/2017</a:t>
             </a:fld>
             <a:endParaRPr lang="en-US"/>
           </a:p>
@@ -647,7 +862,7 @@
     </p:spTree>
     <p:extLst>
       <p:ext uri="{BB962C8B-B14F-4D97-AF65-F5344CB8AC3E}">
-        <p14:creationId xmlns:p14="http://schemas.microsoft.com/office/powerpoint/2010/main" val="1507323591"/>
+        <p14:creationId xmlns:p14="http://schemas.microsoft.com/office/powerpoint/2010/main" val="1147416537"/>
       </p:ext>
     </p:extLst>
   </p:cSld>
@@ -687,12 +902,17 @@
         <p:spPr/>
         <p:txBody>
           <a:bodyPr/>
-          <a:lstStyle/>
+          <a:lstStyle>
+            <a:lvl1pPr marL="0">
+              <a:defRPr/>
+            </a:lvl1pPr>
+          </a:lstStyle>
           <a:p>
             <a:r>
               <a:rPr lang="en-US"/>
               <a:t>Click to edit Master title style</a:t>
             </a:r>
+            <a:endParaRPr lang="en-US" dirty="0"/>
           </a:p>
         </p:txBody>
       </p:sp>
@@ -744,6 +964,7 @@
               <a:rPr lang="en-US"/>
               <a:t>Fifth level</a:t>
             </a:r>
+            <a:endParaRPr lang="en-US" dirty="0"/>
           </a:p>
         </p:txBody>
       </p:sp>
@@ -764,7 +985,7 @@
           <a:p>
             <a:fld id="{D5279824-C717-4B52-9E7D-7B6B13CAFE89}" type="datetimeFigureOut">
               <a:rPr lang="en-US" smtClean="0"/>
-              <a:t>2/9/2017</a:t>
+              <a:t>3/18/2017</a:t>
             </a:fld>
             <a:endParaRPr lang="en-US"/>
           </a:p>
@@ -815,7 +1036,7 @@
     </p:spTree>
     <p:extLst>
       <p:ext uri="{BB962C8B-B14F-4D97-AF65-F5344CB8AC3E}">
-        <p14:creationId xmlns:p14="http://schemas.microsoft.com/office/powerpoint/2010/main" val="1824447622"/>
+        <p14:creationId xmlns:p14="http://schemas.microsoft.com/office/powerpoint/2010/main" val="4219947779"/>
       </p:ext>
     </p:extLst>
   </p:cSld>
@@ -826,8 +1047,16 @@
 </file>
 
 <file path=ppt/slideLayouts/slideLayout3.xml><?xml version="1.0" encoding="utf-8"?>
-<p:sldLayout xmlns:a="http://schemas.openxmlformats.org/drawingml/2006/main" xmlns:r="http://schemas.openxmlformats.org/officeDocument/2006/relationships" xmlns:p="http://schemas.openxmlformats.org/presentationml/2006/main" type="secHead" preserve="1">
+<p:sldLayout xmlns:a="http://schemas.openxmlformats.org/drawingml/2006/main" xmlns:r="http://schemas.openxmlformats.org/officeDocument/2006/relationships" xmlns:p="http://schemas.openxmlformats.org/presentationml/2006/main" showMasterSp="0" type="secHead" preserve="1">
   <p:cSld name="Section Header">
+    <p:bg>
+      <p:bgPr>
+        <a:solidFill>
+          <a:schemeClr val="bg1"/>
+        </a:solidFill>
+        <a:effectLst/>
+      </p:bgPr>
+    </p:bg>
     <p:spTree>
       <p:nvGrpSpPr>
         <p:cNvPr id="1" name=""/>
@@ -844,67 +1073,157 @@
       </p:grpSpPr>
       <p:sp>
         <p:nvSpPr>
-          <p:cNvPr id="2" name="Title 1"/>
-          <p:cNvSpPr>
-            <a:spLocks noGrp="1"/>
-          </p:cNvSpPr>
-          <p:nvPr>
-            <p:ph type="title"/>
-          </p:nvPr>
+          <p:cNvPr id="7" name="Rectangle 6"/>
+          <p:cNvSpPr/>
+          <p:nvPr/>
         </p:nvSpPr>
         <p:spPr>
           <a:xfrm>
-            <a:off x="831850" y="1709738"/>
-            <a:ext cx="10515600" cy="2852737"/>
+            <a:off x="3175" y="6400800"/>
+            <a:ext cx="12188825" cy="457200"/>
+          </a:xfrm>
+          <a:prstGeom prst="rect">
+            <a:avLst/>
+          </a:prstGeom>
+          <a:solidFill>
+            <a:schemeClr val="accent2"/>
+          </a:solidFill>
+          <a:ln>
+            <a:noFill/>
+          </a:ln>
+        </p:spPr>
+        <p:style>
+          <a:lnRef idx="2">
+            <a:schemeClr val="accent1">
+              <a:shade val="50000"/>
+            </a:schemeClr>
+          </a:lnRef>
+          <a:fillRef idx="1">
+            <a:schemeClr val="accent1"/>
+          </a:fillRef>
+          <a:effectRef idx="0">
+            <a:schemeClr val="accent1"/>
+          </a:effectRef>
+          <a:fontRef idx="minor">
+            <a:schemeClr val="lt1"/>
+          </a:fontRef>
+        </p:style>
+      </p:sp>
+      <p:sp>
+        <p:nvSpPr>
+          <p:cNvPr id="8" name="Rectangle 7"/>
+          <p:cNvSpPr/>
+          <p:nvPr/>
+        </p:nvSpPr>
+        <p:spPr>
+          <a:xfrm>
+            <a:off x="15" y="6334316"/>
+            <a:ext cx="12188825" cy="64008"/>
+          </a:xfrm>
+          <a:prstGeom prst="rect">
+            <a:avLst/>
+          </a:prstGeom>
+          <a:solidFill>
+            <a:schemeClr val="accent1"/>
+          </a:solidFill>
+          <a:ln>
+            <a:noFill/>
+          </a:ln>
+        </p:spPr>
+        <p:style>
+          <a:lnRef idx="2">
+            <a:schemeClr val="accent1">
+              <a:shade val="50000"/>
+            </a:schemeClr>
+          </a:lnRef>
+          <a:fillRef idx="1">
+            <a:schemeClr val="accent1"/>
+          </a:fillRef>
+          <a:effectRef idx="0">
+            <a:schemeClr val="accent1"/>
+          </a:effectRef>
+          <a:fontRef idx="minor">
+            <a:schemeClr val="lt1"/>
+          </a:fontRef>
+        </p:style>
+      </p:sp>
+      <p:sp>
+        <p:nvSpPr>
+          <p:cNvPr id="2" name="Title 1"/>
+          <p:cNvSpPr>
+            <a:spLocks noGrp="1"/>
+          </p:cNvSpPr>
+          <p:nvPr>
+            <p:ph type="title"/>
+          </p:nvPr>
+        </p:nvSpPr>
+        <p:spPr>
+          <a:xfrm>
+            <a:off x="1097280" y="758952"/>
+            <a:ext cx="10058400" cy="3566160"/>
           </a:xfrm>
         </p:spPr>
         <p:txBody>
-          <a:bodyPr anchor="b"/>
+          <a:bodyPr anchor="b" anchorCtr="0">
+            <a:normAutofit/>
+          </a:bodyPr>
           <a:lstStyle>
             <a:lvl1pPr>
-              <a:defRPr sz="6000"/>
-            </a:lvl1pPr>
-          </a:lstStyle>
-          <a:p>
-            <a:r>
-              <a:rPr lang="en-US"/>
-              <a:t>Click to edit Master title style</a:t>
-            </a:r>
-          </a:p>
-        </p:txBody>
-      </p:sp>
-      <p:sp>
-        <p:nvSpPr>
-          <p:cNvPr id="3" name="Text Placeholder 2"/>
-          <p:cNvSpPr>
-            <a:spLocks noGrp="1"/>
-          </p:cNvSpPr>
-          <p:nvPr>
-            <p:ph type="body" idx="1"/>
-          </p:nvPr>
-        </p:nvSpPr>
-        <p:spPr>
-          <a:xfrm>
-            <a:off x="831850" y="4589463"/>
-            <a:ext cx="10515600" cy="1500187"/>
-          </a:xfrm>
-        </p:spPr>
-        <p:txBody>
-          <a:bodyPr/>
-          <a:lstStyle>
-            <a:lvl1pPr marL="0" indent="0">
-              <a:buNone/>
-              <a:defRPr sz="2400">
+              <a:lnSpc>
+                <a:spcPct val="85000"/>
+              </a:lnSpc>
+              <a:defRPr sz="8000" b="0">
                 <a:solidFill>
                   <a:schemeClr val="tx1">
-                    <a:tint val="75000"/>
+                    <a:lumMod val="85000"/>
+                    <a:lumOff val="15000"/>
                   </a:schemeClr>
                 </a:solidFill>
               </a:defRPr>
             </a:lvl1pPr>
+          </a:lstStyle>
+          <a:p>
+            <a:r>
+              <a:rPr lang="en-US"/>
+              <a:t>Click to edit Master title style</a:t>
+            </a:r>
+            <a:endParaRPr lang="en-US" dirty="0"/>
+          </a:p>
+        </p:txBody>
+      </p:sp>
+      <p:sp>
+        <p:nvSpPr>
+          <p:cNvPr id="3" name="Text Placeholder 2"/>
+          <p:cNvSpPr>
+            <a:spLocks noGrp="1"/>
+          </p:cNvSpPr>
+          <p:nvPr>
+            <p:ph type="body" idx="1"/>
+          </p:nvPr>
+        </p:nvSpPr>
+        <p:spPr>
+          <a:xfrm>
+            <a:off x="1097280" y="4453128"/>
+            <a:ext cx="10058400" cy="1143000"/>
+          </a:xfrm>
+        </p:spPr>
+        <p:txBody>
+          <a:bodyPr lIns="91440" rIns="91440" anchor="t" anchorCtr="0">
+            <a:normAutofit/>
+          </a:bodyPr>
+          <a:lstStyle>
+            <a:lvl1pPr marL="0" indent="0">
+              <a:buNone/>
+              <a:defRPr sz="2400" cap="all" spc="200" baseline="0">
+                <a:solidFill>
+                  <a:schemeClr val="tx2"/>
+                </a:solidFill>
+                <a:latin typeface="+mj-lt"/>
+              </a:defRPr>
+            </a:lvl1pPr>
             <a:lvl2pPr marL="457200" indent="0">
               <a:buNone/>
-              <a:defRPr sz="2000">
+              <a:defRPr sz="1800">
                 <a:solidFill>
                   <a:schemeClr val="tx1">
                     <a:tint val="75000"/>
@@ -914,7 +1233,7 @@
             </a:lvl2pPr>
             <a:lvl3pPr marL="914400" indent="0">
               <a:buNone/>
-              <a:defRPr sz="1800">
+              <a:defRPr sz="1600">
                 <a:solidFill>
                   <a:schemeClr val="tx1">
                     <a:tint val="75000"/>
@@ -924,7 +1243,7 @@
             </a:lvl3pPr>
             <a:lvl4pPr marL="1371600" indent="0">
               <a:buNone/>
-              <a:defRPr sz="1600">
+              <a:defRPr sz="1400">
                 <a:solidFill>
                   <a:schemeClr val="tx1">
                     <a:tint val="75000"/>
@@ -934,7 +1253,7 @@
             </a:lvl4pPr>
             <a:lvl5pPr marL="1828800" indent="0">
               <a:buNone/>
-              <a:defRPr sz="1600">
+              <a:defRPr sz="1400">
                 <a:solidFill>
                   <a:schemeClr val="tx1">
                     <a:tint val="75000"/>
@@ -944,7 +1263,7 @@
             </a:lvl5pPr>
             <a:lvl6pPr marL="2286000" indent="0">
               <a:buNone/>
-              <a:defRPr sz="1600">
+              <a:defRPr sz="1400">
                 <a:solidFill>
                   <a:schemeClr val="tx1">
                     <a:tint val="75000"/>
@@ -954,7 +1273,7 @@
             </a:lvl6pPr>
             <a:lvl7pPr marL="2743200" indent="0">
               <a:buNone/>
-              <a:defRPr sz="1600">
+              <a:defRPr sz="1400">
                 <a:solidFill>
                   <a:schemeClr val="tx1">
                     <a:tint val="75000"/>
@@ -964,7 +1283,7 @@
             </a:lvl7pPr>
             <a:lvl8pPr marL="3200400" indent="0">
               <a:buNone/>
-              <a:defRPr sz="1600">
+              <a:defRPr sz="1400">
                 <a:solidFill>
                   <a:schemeClr val="tx1">
                     <a:tint val="75000"/>
@@ -974,7 +1293,7 @@
             </a:lvl8pPr>
             <a:lvl9pPr marL="3657600" indent="0">
               <a:buNone/>
-              <a:defRPr sz="1600">
+              <a:defRPr sz="1400">
                 <a:solidFill>
                   <a:schemeClr val="tx1">
                     <a:tint val="75000"/>
@@ -1009,7 +1328,7 @@
           <a:p>
             <a:fld id="{D5279824-C717-4B52-9E7D-7B6B13CAFE89}" type="datetimeFigureOut">
               <a:rPr lang="en-US" smtClean="0"/>
-              <a:t>2/9/2017</a:t>
+              <a:t>3/18/2017</a:t>
             </a:fld>
             <a:endParaRPr lang="en-US"/>
           </a:p>
@@ -1057,10 +1376,48 @@
           </a:p>
         </p:txBody>
       </p:sp>
+      <p:cxnSp>
+        <p:nvCxnSpPr>
+          <p:cNvPr id="9" name="Straight Connector 8"/>
+          <p:cNvCxnSpPr/>
+          <p:nvPr/>
+        </p:nvCxnSpPr>
+        <p:spPr>
+          <a:xfrm>
+            <a:off x="1207658" y="4343400"/>
+            <a:ext cx="9875520" cy="0"/>
+          </a:xfrm>
+          <a:prstGeom prst="line">
+            <a:avLst/>
+          </a:prstGeom>
+          <a:ln w="6350">
+            <a:solidFill>
+              <a:schemeClr val="tx1">
+                <a:lumMod val="50000"/>
+                <a:lumOff val="50000"/>
+              </a:schemeClr>
+            </a:solidFill>
+          </a:ln>
+        </p:spPr>
+        <p:style>
+          <a:lnRef idx="1">
+            <a:schemeClr val="accent1"/>
+          </a:lnRef>
+          <a:fillRef idx="0">
+            <a:schemeClr val="accent1"/>
+          </a:fillRef>
+          <a:effectRef idx="0">
+            <a:schemeClr val="accent1"/>
+          </a:effectRef>
+          <a:fontRef idx="minor">
+            <a:schemeClr val="tx1"/>
+          </a:fontRef>
+        </p:style>
+      </p:cxnSp>
     </p:spTree>
     <p:extLst>
       <p:ext uri="{BB962C8B-B14F-4D97-AF65-F5344CB8AC3E}">
-        <p14:creationId xmlns:p14="http://schemas.microsoft.com/office/powerpoint/2010/main" val="2495724135"/>
+        <p14:creationId xmlns:p14="http://schemas.microsoft.com/office/powerpoint/2010/main" val="3527282457"/>
       </p:ext>
     </p:extLst>
   </p:cSld>
@@ -1089,96 +1446,46 @@
       </p:grpSpPr>
       <p:sp>
         <p:nvSpPr>
-          <p:cNvPr id="2" name="Title 1"/>
+          <p:cNvPr id="8" name="Title 7"/>
           <p:cNvSpPr>
             <a:spLocks noGrp="1"/>
           </p:cNvSpPr>
           <p:nvPr>
             <p:ph type="title"/>
-          </p:nvPr>
-        </p:nvSpPr>
-        <p:spPr/>
-        <p:txBody>
-          <a:bodyPr/>
-          <a:lstStyle/>
-          <a:p>
-            <a:r>
-              <a:rPr lang="en-US"/>
-              <a:t>Click to edit Master title style</a:t>
-            </a:r>
-          </a:p>
-        </p:txBody>
-      </p:sp>
-      <p:sp>
-        <p:nvSpPr>
-          <p:cNvPr id="3" name="Content Placeholder 2"/>
-          <p:cNvSpPr>
-            <a:spLocks noGrp="1"/>
-          </p:cNvSpPr>
-          <p:nvPr>
-            <p:ph sz="half" idx="1"/>
           </p:nvPr>
         </p:nvSpPr>
         <p:spPr>
           <a:xfrm>
-            <a:off x="838200" y="1825625"/>
-            <a:ext cx="5181600" cy="4351338"/>
+            <a:off x="1097280" y="286603"/>
+            <a:ext cx="10058400" cy="1450757"/>
           </a:xfrm>
         </p:spPr>
         <p:txBody>
           <a:bodyPr/>
           <a:lstStyle/>
           <a:p>
-            <a:pPr lvl="0"/>
-            <a:r>
-              <a:rPr lang="en-US"/>
-              <a:t>Edit Master text styles</a:t>
-            </a:r>
-          </a:p>
-          <a:p>
-            <a:pPr lvl="1"/>
-            <a:r>
-              <a:rPr lang="en-US"/>
-              <a:t>Second level</a:t>
-            </a:r>
-          </a:p>
-          <a:p>
-            <a:pPr lvl="2"/>
-            <a:r>
-              <a:rPr lang="en-US"/>
-              <a:t>Third level</a:t>
-            </a:r>
-          </a:p>
-          <a:p>
-            <a:pPr lvl="3"/>
-            <a:r>
-              <a:rPr lang="en-US"/>
-              <a:t>Fourth level</a:t>
-            </a:r>
-          </a:p>
-          <a:p>
-            <a:pPr lvl="4"/>
-            <a:r>
-              <a:rPr lang="en-US"/>
-              <a:t>Fifth level</a:t>
-            </a:r>
-          </a:p>
-        </p:txBody>
-      </p:sp>
-      <p:sp>
-        <p:nvSpPr>
-          <p:cNvPr id="4" name="Content Placeholder 3"/>
-          <p:cNvSpPr>
-            <a:spLocks noGrp="1"/>
-          </p:cNvSpPr>
-          <p:nvPr>
-            <p:ph sz="half" idx="2"/>
+            <a:r>
+              <a:rPr lang="en-US"/>
+              <a:t>Click to edit Master title style</a:t>
+            </a:r>
+            <a:endParaRPr lang="en-US" dirty="0"/>
+          </a:p>
+        </p:txBody>
+      </p:sp>
+      <p:sp>
+        <p:nvSpPr>
+          <p:cNvPr id="3" name="Content Placeholder 2"/>
+          <p:cNvSpPr>
+            <a:spLocks noGrp="1"/>
+          </p:cNvSpPr>
+          <p:nvPr>
+            <p:ph sz="half" idx="1"/>
           </p:nvPr>
         </p:nvSpPr>
         <p:spPr>
           <a:xfrm>
-            <a:off x="6172200" y="1825625"/>
-            <a:ext cx="5181600" cy="4351338"/>
+            <a:off x="1097279" y="1845734"/>
+            <a:ext cx="4937760" cy="4023360"/>
           </a:xfrm>
         </p:spPr>
         <p:txBody>
@@ -1218,6 +1525,64 @@
               <a:rPr lang="en-US"/>
               <a:t>Fifth level</a:t>
             </a:r>
+            <a:endParaRPr lang="en-US" dirty="0"/>
+          </a:p>
+        </p:txBody>
+      </p:sp>
+      <p:sp>
+        <p:nvSpPr>
+          <p:cNvPr id="4" name="Content Placeholder 3"/>
+          <p:cNvSpPr>
+            <a:spLocks noGrp="1"/>
+          </p:cNvSpPr>
+          <p:nvPr>
+            <p:ph sz="half" idx="2"/>
+          </p:nvPr>
+        </p:nvSpPr>
+        <p:spPr>
+          <a:xfrm>
+            <a:off x="6217920" y="1845735"/>
+            <a:ext cx="4937760" cy="4023360"/>
+          </a:xfrm>
+        </p:spPr>
+        <p:txBody>
+          <a:bodyPr/>
+          <a:lstStyle/>
+          <a:p>
+            <a:pPr lvl="0"/>
+            <a:r>
+              <a:rPr lang="en-US"/>
+              <a:t>Edit Master text styles</a:t>
+            </a:r>
+          </a:p>
+          <a:p>
+            <a:pPr lvl="1"/>
+            <a:r>
+              <a:rPr lang="en-US"/>
+              <a:t>Second level</a:t>
+            </a:r>
+          </a:p>
+          <a:p>
+            <a:pPr lvl="2"/>
+            <a:r>
+              <a:rPr lang="en-US"/>
+              <a:t>Third level</a:t>
+            </a:r>
+          </a:p>
+          <a:p>
+            <a:pPr lvl="3"/>
+            <a:r>
+              <a:rPr lang="en-US"/>
+              <a:t>Fourth level</a:t>
+            </a:r>
+          </a:p>
+          <a:p>
+            <a:pPr lvl="4"/>
+            <a:r>
+              <a:rPr lang="en-US"/>
+              <a:t>Fifth level</a:t>
+            </a:r>
+            <a:endParaRPr lang="en-US" dirty="0"/>
           </a:p>
         </p:txBody>
       </p:sp>
@@ -1238,7 +1603,7 @@
           <a:p>
             <a:fld id="{D5279824-C717-4B52-9E7D-7B6B13CAFE89}" type="datetimeFigureOut">
               <a:rPr lang="en-US" smtClean="0"/>
-              <a:t>2/9/2017</a:t>
+              <a:t>3/18/2017</a:t>
             </a:fld>
             <a:endParaRPr lang="en-US"/>
           </a:p>
@@ -1289,7 +1654,7 @@
     </p:spTree>
     <p:extLst>
       <p:ext uri="{BB962C8B-B14F-4D97-AF65-F5344CB8AC3E}">
-        <p14:creationId xmlns:p14="http://schemas.microsoft.com/office/powerpoint/2010/main" val="2859730974"/>
+        <p14:creationId xmlns:p14="http://schemas.microsoft.com/office/powerpoint/2010/main" val="3591182317"/>
       </p:ext>
     </p:extLst>
   </p:cSld>
@@ -1318,7 +1683,7 @@
       </p:grpSpPr>
       <p:sp>
         <p:nvSpPr>
-          <p:cNvPr id="2" name="Title 1"/>
+          <p:cNvPr id="10" name="Title 9"/>
           <p:cNvSpPr>
             <a:spLocks noGrp="1"/>
           </p:cNvSpPr>
@@ -1328,8 +1693,8 @@
         </p:nvSpPr>
         <p:spPr>
           <a:xfrm>
-            <a:off x="839788" y="365125"/>
-            <a:ext cx="10515600" cy="1325563"/>
+            <a:off x="1097280" y="286603"/>
+            <a:ext cx="10058400" cy="1450757"/>
           </a:xfrm>
         </p:spPr>
         <p:txBody>
@@ -1340,6 +1705,7 @@
               <a:rPr lang="en-US"/>
               <a:t>Click to edit Master title style</a:t>
             </a:r>
+            <a:endParaRPr lang="en-US" dirty="0"/>
           </a:p>
         </p:txBody>
       </p:sp>
@@ -1355,16 +1721,22 @@
         </p:nvSpPr>
         <p:spPr>
           <a:xfrm>
-            <a:off x="839788" y="1681163"/>
-            <a:ext cx="5157787" cy="823912"/>
+            <a:off x="1097280" y="1846052"/>
+            <a:ext cx="4937760" cy="736282"/>
           </a:xfrm>
         </p:spPr>
         <p:txBody>
-          <a:bodyPr anchor="b"/>
+          <a:bodyPr lIns="91440" rIns="91440" anchor="ctr">
+            <a:normAutofit/>
+          </a:bodyPr>
           <a:lstStyle>
             <a:lvl1pPr marL="0" indent="0">
               <a:buNone/>
-              <a:defRPr sz="2400" b="1"/>
+              <a:defRPr sz="2000" b="0" cap="all" baseline="0">
+                <a:solidFill>
+                  <a:schemeClr val="tx2"/>
+                </a:solidFill>
+              </a:defRPr>
             </a:lvl1pPr>
             <a:lvl2pPr marL="457200" indent="0">
               <a:buNone/>
@@ -1420,8 +1792,8 @@
         </p:nvSpPr>
         <p:spPr>
           <a:xfrm>
-            <a:off x="839788" y="2505075"/>
-            <a:ext cx="5157787" cy="3684588"/>
+            <a:off x="1097280" y="2582334"/>
+            <a:ext cx="4937760" cy="3378200"/>
           </a:xfrm>
         </p:spPr>
         <p:txBody>
@@ -1461,6 +1833,7 @@
               <a:rPr lang="en-US"/>
               <a:t>Fifth level</a:t>
             </a:r>
+            <a:endParaRPr lang="en-US" dirty="0"/>
           </a:p>
         </p:txBody>
       </p:sp>
@@ -1476,16 +1849,22 @@
         </p:nvSpPr>
         <p:spPr>
           <a:xfrm>
-            <a:off x="6172200" y="1681163"/>
-            <a:ext cx="5183188" cy="823912"/>
+            <a:off x="6217920" y="1846052"/>
+            <a:ext cx="4937760" cy="736282"/>
           </a:xfrm>
         </p:spPr>
         <p:txBody>
-          <a:bodyPr anchor="b"/>
+          <a:bodyPr lIns="91440" rIns="91440" anchor="ctr">
+            <a:normAutofit/>
+          </a:bodyPr>
           <a:lstStyle>
             <a:lvl1pPr marL="0" indent="0">
               <a:buNone/>
-              <a:defRPr sz="2400" b="1"/>
+              <a:defRPr sz="2000" b="0" cap="all" baseline="0">
+                <a:solidFill>
+                  <a:schemeClr val="tx2"/>
+                </a:solidFill>
+              </a:defRPr>
             </a:lvl1pPr>
             <a:lvl2pPr marL="457200" indent="0">
               <a:buNone/>
@@ -1541,8 +1920,8 @@
         </p:nvSpPr>
         <p:spPr>
           <a:xfrm>
-            <a:off x="6172200" y="2505075"/>
-            <a:ext cx="5183188" cy="3684588"/>
+            <a:off x="6217920" y="2582334"/>
+            <a:ext cx="4937760" cy="3378200"/>
           </a:xfrm>
         </p:spPr>
         <p:txBody>
@@ -1582,6 +1961,7 @@
               <a:rPr lang="en-US"/>
               <a:t>Fifth level</a:t>
             </a:r>
+            <a:endParaRPr lang="en-US" dirty="0"/>
           </a:p>
         </p:txBody>
       </p:sp>
@@ -1602,7 +1982,7 @@
           <a:p>
             <a:fld id="{D5279824-C717-4B52-9E7D-7B6B13CAFE89}" type="datetimeFigureOut">
               <a:rPr lang="en-US" smtClean="0"/>
-              <a:t>2/9/2017</a:t>
+              <a:t>3/18/2017</a:t>
             </a:fld>
             <a:endParaRPr lang="en-US"/>
           </a:p>
@@ -1653,7 +2033,7 @@
     </p:spTree>
     <p:extLst>
       <p:ext uri="{BB962C8B-B14F-4D97-AF65-F5344CB8AC3E}">
-        <p14:creationId xmlns:p14="http://schemas.microsoft.com/office/powerpoint/2010/main" val="420660435"/>
+        <p14:creationId xmlns:p14="http://schemas.microsoft.com/office/powerpoint/2010/main" val="2762299560"/>
       </p:ext>
     </p:extLst>
   </p:cSld>
@@ -1699,6 +2079,7 @@
               <a:rPr lang="en-US"/>
               <a:t>Click to edit Master title style</a:t>
             </a:r>
+            <a:endParaRPr lang="en-US" dirty="0"/>
           </a:p>
         </p:txBody>
       </p:sp>
@@ -1719,7 +2100,7 @@
           <a:p>
             <a:fld id="{D5279824-C717-4B52-9E7D-7B6B13CAFE89}" type="datetimeFigureOut">
               <a:rPr lang="en-US" smtClean="0"/>
-              <a:t>2/9/2017</a:t>
+              <a:t>3/18/2017</a:t>
             </a:fld>
             <a:endParaRPr lang="en-US"/>
           </a:p>
@@ -1770,7 +2151,7 @@
     </p:spTree>
     <p:extLst>
       <p:ext uri="{BB962C8B-B14F-4D97-AF65-F5344CB8AC3E}">
-        <p14:creationId xmlns:p14="http://schemas.microsoft.com/office/powerpoint/2010/main" val="1749513285"/>
+        <p14:creationId xmlns:p14="http://schemas.microsoft.com/office/powerpoint/2010/main" val="3930063243"/>
       </p:ext>
     </p:extLst>
   </p:cSld>
@@ -1781,7 +2162,7 @@
 </file>
 
 <file path=ppt/slideLayouts/slideLayout7.xml><?xml version="1.0" encoding="utf-8"?>
-<p:sldLayout xmlns:a="http://schemas.openxmlformats.org/drawingml/2006/main" xmlns:r="http://schemas.openxmlformats.org/officeDocument/2006/relationships" xmlns:p="http://schemas.openxmlformats.org/presentationml/2006/main" type="blank" preserve="1">
+<p:sldLayout xmlns:a="http://schemas.openxmlformats.org/drawingml/2006/main" xmlns:r="http://schemas.openxmlformats.org/officeDocument/2006/relationships" xmlns:p="http://schemas.openxmlformats.org/presentationml/2006/main" showMasterSp="0" type="blank" preserve="1">
   <p:cSld name="Blank">
     <p:spTree>
       <p:nvGrpSpPr>
@@ -1799,7 +2180,83 @@
       </p:grpSpPr>
       <p:sp>
         <p:nvSpPr>
-          <p:cNvPr id="2" name="Date Placeholder 1"/>
+          <p:cNvPr id="5" name="Rectangle 4"/>
+          <p:cNvSpPr/>
+          <p:nvPr/>
+        </p:nvSpPr>
+        <p:spPr>
+          <a:xfrm>
+            <a:off x="3175" y="6400800"/>
+            <a:ext cx="12188825" cy="457200"/>
+          </a:xfrm>
+          <a:prstGeom prst="rect">
+            <a:avLst/>
+          </a:prstGeom>
+          <a:solidFill>
+            <a:schemeClr val="accent2"/>
+          </a:solidFill>
+          <a:ln>
+            <a:noFill/>
+          </a:ln>
+        </p:spPr>
+        <p:style>
+          <a:lnRef idx="2">
+            <a:schemeClr val="accent1">
+              <a:shade val="50000"/>
+            </a:schemeClr>
+          </a:lnRef>
+          <a:fillRef idx="1">
+            <a:schemeClr val="accent1"/>
+          </a:fillRef>
+          <a:effectRef idx="0">
+            <a:schemeClr val="accent1"/>
+          </a:effectRef>
+          <a:fontRef idx="minor">
+            <a:schemeClr val="lt1"/>
+          </a:fontRef>
+        </p:style>
+      </p:sp>
+      <p:sp>
+        <p:nvSpPr>
+          <p:cNvPr id="6" name="Rectangle 5"/>
+          <p:cNvSpPr/>
+          <p:nvPr/>
+        </p:nvSpPr>
+        <p:spPr>
+          <a:xfrm>
+            <a:off x="15" y="6334316"/>
+            <a:ext cx="12188825" cy="64008"/>
+          </a:xfrm>
+          <a:prstGeom prst="rect">
+            <a:avLst/>
+          </a:prstGeom>
+          <a:solidFill>
+            <a:schemeClr val="accent1"/>
+          </a:solidFill>
+          <a:ln>
+            <a:noFill/>
+          </a:ln>
+        </p:spPr>
+        <p:style>
+          <a:lnRef idx="2">
+            <a:schemeClr val="accent1">
+              <a:shade val="50000"/>
+            </a:schemeClr>
+          </a:lnRef>
+          <a:fillRef idx="1">
+            <a:schemeClr val="accent1"/>
+          </a:fillRef>
+          <a:effectRef idx="0">
+            <a:schemeClr val="accent1"/>
+          </a:effectRef>
+          <a:fontRef idx="minor">
+            <a:schemeClr val="lt1"/>
+          </a:fontRef>
+        </p:style>
+      </p:sp>
+      <p:sp>
+        <p:nvSpPr>
+          <p:cNvPr id="7" name="Date Placeholder 6"/>
           <p:cNvSpPr>
             <a:spLocks noGrp="1"/>
           </p:cNvSpPr>
@@ -1814,7 +2271,7 @@
           <a:p>
             <a:fld id="{D5279824-C717-4B52-9E7D-7B6B13CAFE89}" type="datetimeFigureOut">
               <a:rPr lang="en-US" smtClean="0"/>
-              <a:t>2/9/2017</a:t>
+              <a:t>3/18/2017</a:t>
             </a:fld>
             <a:endParaRPr lang="en-US"/>
           </a:p>
@@ -1822,7 +2279,7 @@
       </p:sp>
       <p:sp>
         <p:nvSpPr>
-          <p:cNvPr id="3" name="Footer Placeholder 2"/>
+          <p:cNvPr id="8" name="Footer Placeholder 7"/>
           <p:cNvSpPr>
             <a:spLocks noGrp="1"/>
           </p:cNvSpPr>
@@ -1833,7 +2290,15 @@
         <p:spPr/>
         <p:txBody>
           <a:bodyPr/>
-          <a:lstStyle/>
+          <a:lstStyle>
+            <a:lvl1pPr>
+              <a:defRPr>
+                <a:solidFill>
+                  <a:srgbClr val="FFFFFF"/>
+                </a:solidFill>
+              </a:defRPr>
+            </a:lvl1pPr>
+          </a:lstStyle>
           <a:p>
             <a:endParaRPr lang="en-US"/>
           </a:p>
@@ -1841,7 +2306,7 @@
       </p:sp>
       <p:sp>
         <p:nvSpPr>
-          <p:cNvPr id="4" name="Slide Number Placeholder 3"/>
+          <p:cNvPr id="9" name="Slide Number Placeholder 8"/>
           <p:cNvSpPr>
             <a:spLocks noGrp="1"/>
           </p:cNvSpPr>
@@ -1865,7 +2330,7 @@
     </p:spTree>
     <p:extLst>
       <p:ext uri="{BB962C8B-B14F-4D97-AF65-F5344CB8AC3E}">
-        <p14:creationId xmlns:p14="http://schemas.microsoft.com/office/powerpoint/2010/main" val="1180717868"/>
+        <p14:creationId xmlns:p14="http://schemas.microsoft.com/office/powerpoint/2010/main" val="1653616959"/>
       </p:ext>
     </p:extLst>
   </p:cSld>
@@ -1876,7 +2341,7 @@
 </file>
 
 <file path=ppt/slideLayouts/slideLayout8.xml><?xml version="1.0" encoding="utf-8"?>
-<p:sldLayout xmlns:a="http://schemas.openxmlformats.org/drawingml/2006/main" xmlns:r="http://schemas.openxmlformats.org/officeDocument/2006/relationships" xmlns:p="http://schemas.openxmlformats.org/presentationml/2006/main" type="objTx" preserve="1">
+<p:sldLayout xmlns:a="http://schemas.openxmlformats.org/drawingml/2006/main" xmlns:r="http://schemas.openxmlformats.org/officeDocument/2006/relationships" xmlns:p="http://schemas.openxmlformats.org/presentationml/2006/main" showMasterSp="0" type="objTx" preserve="1">
   <p:cSld name="Content with Caption">
     <p:spTree>
       <p:nvGrpSpPr>
@@ -1894,25 +2359,107 @@
       </p:grpSpPr>
       <p:sp>
         <p:nvSpPr>
-          <p:cNvPr id="2" name="Title 1"/>
-          <p:cNvSpPr>
-            <a:spLocks noGrp="1"/>
-          </p:cNvSpPr>
-          <p:nvPr>
-            <p:ph type="title"/>
-          </p:nvPr>
+          <p:cNvPr id="8" name="Rectangle 7"/>
+          <p:cNvSpPr/>
+          <p:nvPr/>
         </p:nvSpPr>
         <p:spPr>
           <a:xfrm>
-            <a:off x="839788" y="457200"/>
-            <a:ext cx="3932237" cy="1600200"/>
+            <a:off x="16" y="0"/>
+            <a:ext cx="4050791" cy="6858000"/>
+          </a:xfrm>
+          <a:prstGeom prst="rect">
+            <a:avLst/>
+          </a:prstGeom>
+          <a:solidFill>
+            <a:schemeClr val="accent2"/>
+          </a:solidFill>
+          <a:ln>
+            <a:noFill/>
+          </a:ln>
+        </p:spPr>
+        <p:style>
+          <a:lnRef idx="2">
+            <a:schemeClr val="accent1">
+              <a:shade val="50000"/>
+            </a:schemeClr>
+          </a:lnRef>
+          <a:fillRef idx="1">
+            <a:schemeClr val="accent1"/>
+          </a:fillRef>
+          <a:effectRef idx="0">
+            <a:schemeClr val="accent1"/>
+          </a:effectRef>
+          <a:fontRef idx="minor">
+            <a:schemeClr val="lt1"/>
+          </a:fontRef>
+        </p:style>
+      </p:sp>
+      <p:sp>
+        <p:nvSpPr>
+          <p:cNvPr id="9" name="Rectangle 8"/>
+          <p:cNvSpPr/>
+          <p:nvPr/>
+        </p:nvSpPr>
+        <p:spPr>
+          <a:xfrm>
+            <a:off x="4040071" y="0"/>
+            <a:ext cx="64008" cy="6858000"/>
+          </a:xfrm>
+          <a:prstGeom prst="rect">
+            <a:avLst/>
+          </a:prstGeom>
+          <a:solidFill>
+            <a:schemeClr val="accent1"/>
+          </a:solidFill>
+          <a:ln>
+            <a:noFill/>
+          </a:ln>
+        </p:spPr>
+        <p:style>
+          <a:lnRef idx="2">
+            <a:schemeClr val="accent1">
+              <a:shade val="50000"/>
+            </a:schemeClr>
+          </a:lnRef>
+          <a:fillRef idx="1">
+            <a:schemeClr val="accent1"/>
+          </a:fillRef>
+          <a:effectRef idx="0">
+            <a:schemeClr val="accent1"/>
+          </a:effectRef>
+          <a:fontRef idx="minor">
+            <a:schemeClr val="lt1"/>
+          </a:fontRef>
+        </p:style>
+      </p:sp>
+      <p:sp>
+        <p:nvSpPr>
+          <p:cNvPr id="2" name="Title 1"/>
+          <p:cNvSpPr>
+            <a:spLocks noGrp="1"/>
+          </p:cNvSpPr>
+          <p:nvPr>
+            <p:ph type="title"/>
+          </p:nvPr>
+        </p:nvSpPr>
+        <p:spPr>
+          <a:xfrm>
+            <a:off x="457200" y="594359"/>
+            <a:ext cx="3200400" cy="2286000"/>
           </a:xfrm>
         </p:spPr>
         <p:txBody>
-          <a:bodyPr anchor="b"/>
+          <a:bodyPr anchor="b">
+            <a:normAutofit/>
+          </a:bodyPr>
           <a:lstStyle>
             <a:lvl1pPr>
-              <a:defRPr sz="3200"/>
+              <a:defRPr sz="3600" b="0">
+                <a:solidFill>
+                  <a:srgbClr val="FFFFFF"/>
+                </a:solidFill>
+              </a:defRPr>
             </a:lvl1pPr>
           </a:lstStyle>
           <a:p>
@@ -1920,6 +2467,7 @@
               <a:rPr lang="en-US"/>
               <a:t>Click to edit Master title style</a:t>
             </a:r>
+            <a:endParaRPr lang="en-US" dirty="0"/>
           </a:p>
         </p:txBody>
       </p:sp>
@@ -1935,199 +2483,208 @@
         </p:nvSpPr>
         <p:spPr>
           <a:xfrm>
-            <a:off x="5183188" y="987425"/>
-            <a:ext cx="6172200" cy="4873625"/>
+            <a:off x="4800600" y="731520"/>
+            <a:ext cx="6492240" cy="5257800"/>
           </a:xfrm>
         </p:spPr>
+        <p:txBody>
+          <a:bodyPr/>
+          <a:lstStyle/>
+          <a:p>
+            <a:pPr lvl="0"/>
+            <a:r>
+              <a:rPr lang="en-US"/>
+              <a:t>Edit Master text styles</a:t>
+            </a:r>
+          </a:p>
+          <a:p>
+            <a:pPr lvl="1"/>
+            <a:r>
+              <a:rPr lang="en-US"/>
+              <a:t>Second level</a:t>
+            </a:r>
+          </a:p>
+          <a:p>
+            <a:pPr lvl="2"/>
+            <a:r>
+              <a:rPr lang="en-US"/>
+              <a:t>Third level</a:t>
+            </a:r>
+          </a:p>
+          <a:p>
+            <a:pPr lvl="3"/>
+            <a:r>
+              <a:rPr lang="en-US"/>
+              <a:t>Fourth level</a:t>
+            </a:r>
+          </a:p>
+          <a:p>
+            <a:pPr lvl="4"/>
+            <a:r>
+              <a:rPr lang="en-US"/>
+              <a:t>Fifth level</a:t>
+            </a:r>
+            <a:endParaRPr lang="en-US" dirty="0"/>
+          </a:p>
+        </p:txBody>
+      </p:sp>
+      <p:sp>
+        <p:nvSpPr>
+          <p:cNvPr id="4" name="Text Placeholder 3"/>
+          <p:cNvSpPr>
+            <a:spLocks noGrp="1"/>
+          </p:cNvSpPr>
+          <p:nvPr>
+            <p:ph type="body" sz="half" idx="2"/>
+          </p:nvPr>
+        </p:nvSpPr>
+        <p:spPr>
+          <a:xfrm>
+            <a:off x="457200" y="2926080"/>
+            <a:ext cx="3200400" cy="3379124"/>
+          </a:xfrm>
+        </p:spPr>
+        <p:txBody>
+          <a:bodyPr lIns="91440" rIns="91440">
+            <a:normAutofit/>
+          </a:bodyPr>
+          <a:lstStyle>
+            <a:lvl1pPr marL="0" indent="0">
+              <a:buNone/>
+              <a:defRPr sz="1500">
+                <a:solidFill>
+                  <a:srgbClr val="FFFFFF"/>
+                </a:solidFill>
+              </a:defRPr>
+            </a:lvl1pPr>
+            <a:lvl2pPr marL="457200" indent="0">
+              <a:buNone/>
+              <a:defRPr sz="1200"/>
+            </a:lvl2pPr>
+            <a:lvl3pPr marL="914400" indent="0">
+              <a:buNone/>
+              <a:defRPr sz="1000"/>
+            </a:lvl3pPr>
+            <a:lvl4pPr marL="1371600" indent="0">
+              <a:buNone/>
+              <a:defRPr sz="900"/>
+            </a:lvl4pPr>
+            <a:lvl5pPr marL="1828800" indent="0">
+              <a:buNone/>
+              <a:defRPr sz="900"/>
+            </a:lvl5pPr>
+            <a:lvl6pPr marL="2286000" indent="0">
+              <a:buNone/>
+              <a:defRPr sz="900"/>
+            </a:lvl6pPr>
+            <a:lvl7pPr marL="2743200" indent="0">
+              <a:buNone/>
+              <a:defRPr sz="900"/>
+            </a:lvl7pPr>
+            <a:lvl8pPr marL="3200400" indent="0">
+              <a:buNone/>
+              <a:defRPr sz="900"/>
+            </a:lvl8pPr>
+            <a:lvl9pPr marL="3657600" indent="0">
+              <a:buNone/>
+              <a:defRPr sz="900"/>
+            </a:lvl9pPr>
+          </a:lstStyle>
+          <a:p>
+            <a:pPr lvl="0"/>
+            <a:r>
+              <a:rPr lang="en-US"/>
+              <a:t>Edit Master text styles</a:t>
+            </a:r>
+          </a:p>
+        </p:txBody>
+      </p:sp>
+      <p:sp>
+        <p:nvSpPr>
+          <p:cNvPr id="5" name="Date Placeholder 4"/>
+          <p:cNvSpPr>
+            <a:spLocks noGrp="1"/>
+          </p:cNvSpPr>
+          <p:nvPr>
+            <p:ph type="dt" sz="half" idx="10"/>
+          </p:nvPr>
+        </p:nvSpPr>
+        <p:spPr>
+          <a:xfrm>
+            <a:off x="465512" y="6459785"/>
+            <a:ext cx="2618510" cy="365125"/>
+          </a:xfrm>
+        </p:spPr>
+        <p:txBody>
+          <a:bodyPr/>
+          <a:lstStyle>
+            <a:lvl1pPr algn="l">
+              <a:defRPr/>
+            </a:lvl1pPr>
+          </a:lstStyle>
+          <a:p>
+            <a:fld id="{D5279824-C717-4B52-9E7D-7B6B13CAFE89}" type="datetimeFigureOut">
+              <a:rPr lang="en-US" smtClean="0"/>
+              <a:t>3/18/2017</a:t>
+            </a:fld>
+            <a:endParaRPr lang="en-US"/>
+          </a:p>
+        </p:txBody>
+      </p:sp>
+      <p:sp>
+        <p:nvSpPr>
+          <p:cNvPr id="6" name="Footer Placeholder 5"/>
+          <p:cNvSpPr>
+            <a:spLocks noGrp="1"/>
+          </p:cNvSpPr>
+          <p:nvPr>
+            <p:ph type="ftr" sz="quarter" idx="11"/>
+          </p:nvPr>
+        </p:nvSpPr>
+        <p:spPr>
+          <a:xfrm>
+            <a:off x="4800600" y="6459785"/>
+            <a:ext cx="4648200" cy="365125"/>
+          </a:xfrm>
+        </p:spPr>
+        <p:txBody>
+          <a:bodyPr/>
+          <a:lstStyle>
+            <a:lvl1pPr algn="l">
+              <a:defRPr>
+                <a:solidFill>
+                  <a:schemeClr val="tx2"/>
+                </a:solidFill>
+              </a:defRPr>
+            </a:lvl1pPr>
+          </a:lstStyle>
+          <a:p>
+            <a:endParaRPr lang="en-US"/>
+          </a:p>
+        </p:txBody>
+      </p:sp>
+      <p:sp>
+        <p:nvSpPr>
+          <p:cNvPr id="7" name="Slide Number Placeholder 6"/>
+          <p:cNvSpPr>
+            <a:spLocks noGrp="1"/>
+          </p:cNvSpPr>
+          <p:nvPr>
+            <p:ph type="sldNum" sz="quarter" idx="12"/>
+          </p:nvPr>
+        </p:nvSpPr>
+        <p:spPr/>
         <p:txBody>
           <a:bodyPr/>
           <a:lstStyle>
             <a:lvl1pPr>
-              <a:defRPr sz="3200"/>
+              <a:defRPr>
+                <a:solidFill>
+                  <a:schemeClr val="tx2"/>
+                </a:solidFill>
+              </a:defRPr>
             </a:lvl1pPr>
-            <a:lvl2pPr>
-              <a:defRPr sz="2800"/>
-            </a:lvl2pPr>
-            <a:lvl3pPr>
-              <a:defRPr sz="2400"/>
-            </a:lvl3pPr>
-            <a:lvl4pPr>
-              <a:defRPr sz="2000"/>
-            </a:lvl4pPr>
-            <a:lvl5pPr>
-              <a:defRPr sz="2000"/>
-            </a:lvl5pPr>
-            <a:lvl6pPr>
-              <a:defRPr sz="2000"/>
-            </a:lvl6pPr>
-            <a:lvl7pPr>
-              <a:defRPr sz="2000"/>
-            </a:lvl7pPr>
-            <a:lvl8pPr>
-              <a:defRPr sz="2000"/>
-            </a:lvl8pPr>
-            <a:lvl9pPr>
-              <a:defRPr sz="2000"/>
-            </a:lvl9pPr>
           </a:lstStyle>
-          <a:p>
-            <a:pPr lvl="0"/>
-            <a:r>
-              <a:rPr lang="en-US"/>
-              <a:t>Edit Master text styles</a:t>
-            </a:r>
-          </a:p>
-          <a:p>
-            <a:pPr lvl="1"/>
-            <a:r>
-              <a:rPr lang="en-US"/>
-              <a:t>Second level</a:t>
-            </a:r>
-          </a:p>
-          <a:p>
-            <a:pPr lvl="2"/>
-            <a:r>
-              <a:rPr lang="en-US"/>
-              <a:t>Third level</a:t>
-            </a:r>
-          </a:p>
-          <a:p>
-            <a:pPr lvl="3"/>
-            <a:r>
-              <a:rPr lang="en-US"/>
-              <a:t>Fourth level</a:t>
-            </a:r>
-          </a:p>
-          <a:p>
-            <a:pPr lvl="4"/>
-            <a:r>
-              <a:rPr lang="en-US"/>
-              <a:t>Fifth level</a:t>
-            </a:r>
-          </a:p>
-        </p:txBody>
-      </p:sp>
-      <p:sp>
-        <p:nvSpPr>
-          <p:cNvPr id="4" name="Text Placeholder 3"/>
-          <p:cNvSpPr>
-            <a:spLocks noGrp="1"/>
-          </p:cNvSpPr>
-          <p:nvPr>
-            <p:ph type="body" sz="half" idx="2"/>
-          </p:nvPr>
-        </p:nvSpPr>
-        <p:spPr>
-          <a:xfrm>
-            <a:off x="839788" y="2057400"/>
-            <a:ext cx="3932237" cy="3811588"/>
-          </a:xfrm>
-        </p:spPr>
-        <p:txBody>
-          <a:bodyPr/>
-          <a:lstStyle>
-            <a:lvl1pPr marL="0" indent="0">
-              <a:buNone/>
-              <a:defRPr sz="1600"/>
-            </a:lvl1pPr>
-            <a:lvl2pPr marL="457200" indent="0">
-              <a:buNone/>
-              <a:defRPr sz="1400"/>
-            </a:lvl2pPr>
-            <a:lvl3pPr marL="914400" indent="0">
-              <a:buNone/>
-              <a:defRPr sz="1200"/>
-            </a:lvl3pPr>
-            <a:lvl4pPr marL="1371600" indent="0">
-              <a:buNone/>
-              <a:defRPr sz="1000"/>
-            </a:lvl4pPr>
-            <a:lvl5pPr marL="1828800" indent="0">
-              <a:buNone/>
-              <a:defRPr sz="1000"/>
-            </a:lvl5pPr>
-            <a:lvl6pPr marL="2286000" indent="0">
-              <a:buNone/>
-              <a:defRPr sz="1000"/>
-            </a:lvl6pPr>
-            <a:lvl7pPr marL="2743200" indent="0">
-              <a:buNone/>
-              <a:defRPr sz="1000"/>
-            </a:lvl7pPr>
-            <a:lvl8pPr marL="3200400" indent="0">
-              <a:buNone/>
-              <a:defRPr sz="1000"/>
-            </a:lvl8pPr>
-            <a:lvl9pPr marL="3657600" indent="0">
-              <a:buNone/>
-              <a:defRPr sz="1000"/>
-            </a:lvl9pPr>
-          </a:lstStyle>
-          <a:p>
-            <a:pPr lvl="0"/>
-            <a:r>
-              <a:rPr lang="en-US"/>
-              <a:t>Edit Master text styles</a:t>
-            </a:r>
-          </a:p>
-        </p:txBody>
-      </p:sp>
-      <p:sp>
-        <p:nvSpPr>
-          <p:cNvPr id="5" name="Date Placeholder 4"/>
-          <p:cNvSpPr>
-            <a:spLocks noGrp="1"/>
-          </p:cNvSpPr>
-          <p:nvPr>
-            <p:ph type="dt" sz="half" idx="10"/>
-          </p:nvPr>
-        </p:nvSpPr>
-        <p:spPr/>
-        <p:txBody>
-          <a:bodyPr/>
-          <a:lstStyle/>
-          <a:p>
-            <a:fld id="{D5279824-C717-4B52-9E7D-7B6B13CAFE89}" type="datetimeFigureOut">
-              <a:rPr lang="en-US" smtClean="0"/>
-              <a:t>2/9/2017</a:t>
-            </a:fld>
-            <a:endParaRPr lang="en-US"/>
-          </a:p>
-        </p:txBody>
-      </p:sp>
-      <p:sp>
-        <p:nvSpPr>
-          <p:cNvPr id="6" name="Footer Placeholder 5"/>
-          <p:cNvSpPr>
-            <a:spLocks noGrp="1"/>
-          </p:cNvSpPr>
-          <p:nvPr>
-            <p:ph type="ftr" sz="quarter" idx="11"/>
-          </p:nvPr>
-        </p:nvSpPr>
-        <p:spPr/>
-        <p:txBody>
-          <a:bodyPr/>
-          <a:lstStyle/>
-          <a:p>
-            <a:endParaRPr lang="en-US"/>
-          </a:p>
-        </p:txBody>
-      </p:sp>
-      <p:sp>
-        <p:nvSpPr>
-          <p:cNvPr id="7" name="Slide Number Placeholder 6"/>
-          <p:cNvSpPr>
-            <a:spLocks noGrp="1"/>
-          </p:cNvSpPr>
-          <p:nvPr>
-            <p:ph type="sldNum" sz="quarter" idx="12"/>
-          </p:nvPr>
-        </p:nvSpPr>
-        <p:spPr/>
-        <p:txBody>
-          <a:bodyPr/>
-          <a:lstStyle/>
           <a:p>
             <a:fld id="{D57BB68F-F903-4C25-9FDB-40BD187B5061}" type="slidenum">
               <a:rPr lang="en-US" smtClean="0"/>
@@ -2140,7 +2697,7 @@
     </p:spTree>
     <p:extLst>
       <p:ext uri="{BB962C8B-B14F-4D97-AF65-F5344CB8AC3E}">
-        <p14:creationId xmlns:p14="http://schemas.microsoft.com/office/powerpoint/2010/main" val="2529361678"/>
+        <p14:creationId xmlns:p14="http://schemas.microsoft.com/office/powerpoint/2010/main" val="2806322066"/>
       </p:ext>
     </p:extLst>
   </p:cSld>
@@ -2151,7 +2708,7 @@
 </file>
 
 <file path=ppt/slideLayouts/slideLayout9.xml><?xml version="1.0" encoding="utf-8"?>
-<p:sldLayout xmlns:a="http://schemas.openxmlformats.org/drawingml/2006/main" xmlns:r="http://schemas.openxmlformats.org/officeDocument/2006/relationships" xmlns:p="http://schemas.openxmlformats.org/presentationml/2006/main" type="picTx" preserve="1">
+<p:sldLayout xmlns:a="http://schemas.openxmlformats.org/drawingml/2006/main" xmlns:r="http://schemas.openxmlformats.org/officeDocument/2006/relationships" xmlns:p="http://schemas.openxmlformats.org/presentationml/2006/main" showMasterSp="0" type="picTx" preserve="1">
   <p:cSld name="Picture with Caption">
     <p:spTree>
       <p:nvGrpSpPr>
@@ -2169,25 +2726,107 @@
       </p:grpSpPr>
       <p:sp>
         <p:nvSpPr>
-          <p:cNvPr id="2" name="Title 1"/>
-          <p:cNvSpPr>
-            <a:spLocks noGrp="1"/>
-          </p:cNvSpPr>
-          <p:nvPr>
-            <p:ph type="title"/>
-          </p:nvPr>
+          <p:cNvPr id="8" name="Rectangle 7"/>
+          <p:cNvSpPr/>
+          <p:nvPr/>
         </p:nvSpPr>
         <p:spPr>
           <a:xfrm>
-            <a:off x="839788" y="457200"/>
-            <a:ext cx="3932237" cy="1600200"/>
+            <a:off x="0" y="4953000"/>
+            <a:ext cx="12188825" cy="1905000"/>
+          </a:xfrm>
+          <a:prstGeom prst="rect">
+            <a:avLst/>
+          </a:prstGeom>
+          <a:solidFill>
+            <a:schemeClr val="accent2"/>
+          </a:solidFill>
+          <a:ln>
+            <a:noFill/>
+          </a:ln>
+        </p:spPr>
+        <p:style>
+          <a:lnRef idx="2">
+            <a:schemeClr val="accent1">
+              <a:shade val="50000"/>
+            </a:schemeClr>
+          </a:lnRef>
+          <a:fillRef idx="1">
+            <a:schemeClr val="accent1"/>
+          </a:fillRef>
+          <a:effectRef idx="0">
+            <a:schemeClr val="accent1"/>
+          </a:effectRef>
+          <a:fontRef idx="minor">
+            <a:schemeClr val="lt1"/>
+          </a:fontRef>
+        </p:style>
+      </p:sp>
+      <p:sp>
+        <p:nvSpPr>
+          <p:cNvPr id="9" name="Rectangle 8"/>
+          <p:cNvSpPr/>
+          <p:nvPr/>
+        </p:nvSpPr>
+        <p:spPr>
+          <a:xfrm>
+            <a:off x="15" y="4915076"/>
+            <a:ext cx="12188825" cy="64008"/>
+          </a:xfrm>
+          <a:prstGeom prst="rect">
+            <a:avLst/>
+          </a:prstGeom>
+          <a:solidFill>
+            <a:schemeClr val="accent1"/>
+          </a:solidFill>
+          <a:ln>
+            <a:noFill/>
+          </a:ln>
+        </p:spPr>
+        <p:style>
+          <a:lnRef idx="2">
+            <a:schemeClr val="accent1">
+              <a:shade val="50000"/>
+            </a:schemeClr>
+          </a:lnRef>
+          <a:fillRef idx="1">
+            <a:schemeClr val="accent1"/>
+          </a:fillRef>
+          <a:effectRef idx="0">
+            <a:schemeClr val="accent1"/>
+          </a:effectRef>
+          <a:fontRef idx="minor">
+            <a:schemeClr val="lt1"/>
+          </a:fontRef>
+        </p:style>
+      </p:sp>
+      <p:sp>
+        <p:nvSpPr>
+          <p:cNvPr id="2" name="Title 1"/>
+          <p:cNvSpPr>
+            <a:spLocks noGrp="1"/>
+          </p:cNvSpPr>
+          <p:nvPr>
+            <p:ph type="title"/>
+          </p:nvPr>
+        </p:nvSpPr>
+        <p:spPr>
+          <a:xfrm>
+            <a:off x="1097280" y="5074920"/>
+            <a:ext cx="10113264" cy="822960"/>
           </a:xfrm>
         </p:spPr>
         <p:txBody>
-          <a:bodyPr anchor="b"/>
+          <a:bodyPr lIns="91440" tIns="0" rIns="91440" bIns="0" anchor="b">
+            <a:noAutofit/>
+          </a:bodyPr>
           <a:lstStyle>
             <a:lvl1pPr>
-              <a:defRPr sz="3200"/>
+              <a:defRPr sz="3600" b="0">
+                <a:solidFill>
+                  <a:srgbClr val="FFFFFF"/>
+                </a:solidFill>
+              </a:defRPr>
             </a:lvl1pPr>
           </a:lstStyle>
           <a:p>
@@ -2195,6 +2834,7 @@
               <a:rPr lang="en-US"/>
               <a:t>Click to edit Master title style</a:t>
             </a:r>
+            <a:endParaRPr lang="en-US" dirty="0"/>
           </a:p>
         </p:txBody>
       </p:sp>
@@ -2202,7 +2842,7 @@
         <p:nvSpPr>
           <p:cNvPr id="3" name="Picture Placeholder 2"/>
           <p:cNvSpPr>
-            <a:spLocks noGrp="1"/>
+            <a:spLocks noGrp="1" noChangeAspect="1"/>
           </p:cNvSpPr>
           <p:nvPr>
             <p:ph type="pic" idx="1"/>
@@ -2210,16 +2850,26 @@
         </p:nvSpPr>
         <p:spPr>
           <a:xfrm>
-            <a:off x="5183188" y="987425"/>
-            <a:ext cx="6172200" cy="4873625"/>
+            <a:off x="15" y="0"/>
+            <a:ext cx="12191985" cy="4915076"/>
           </a:xfrm>
+          <a:blipFill>
+            <a:blip r:embed="rId2"/>
+            <a:stretch>
+              <a:fillRect/>
+            </a:stretch>
+          </a:blipFill>
         </p:spPr>
         <p:txBody>
-          <a:bodyPr/>
+          <a:bodyPr lIns="457200" tIns="457200" anchor="t"/>
           <a:lstStyle>
             <a:lvl1pPr marL="0" indent="0">
               <a:buNone/>
-              <a:defRPr sz="3200"/>
+              <a:defRPr sz="3200">
+                <a:solidFill>
+                  <a:schemeClr val="bg1"/>
+                </a:solidFill>
+              </a:defRPr>
             </a:lvl1pPr>
             <a:lvl2pPr marL="457200" indent="0">
               <a:buNone/>
@@ -2255,7 +2905,11 @@
             </a:lvl9pPr>
           </a:lstStyle>
           <a:p>
-            <a:endParaRPr lang="en-US"/>
+            <a:r>
+              <a:rPr lang="en-US"/>
+              <a:t>Click icon to add picture</a:t>
+            </a:r>
+            <a:endParaRPr lang="en-US" dirty="0"/>
           </a:p>
         </p:txBody>
       </p:sp>
@@ -2271,48 +2925,60 @@
         </p:nvSpPr>
         <p:spPr>
           <a:xfrm>
-            <a:off x="839788" y="2057400"/>
-            <a:ext cx="3932237" cy="3811588"/>
+            <a:off x="1097280" y="5907023"/>
+            <a:ext cx="10113264" cy="594360"/>
           </a:xfrm>
         </p:spPr>
         <p:txBody>
-          <a:bodyPr/>
+          <a:bodyPr lIns="91440" tIns="0" rIns="91440" bIns="0">
+            <a:normAutofit/>
+          </a:bodyPr>
           <a:lstStyle>
             <a:lvl1pPr marL="0" indent="0">
-              <a:buNone/>
-              <a:defRPr sz="1600"/>
+              <a:spcBef>
+                <a:spcPts val="0"/>
+              </a:spcBef>
+              <a:spcAft>
+                <a:spcPts val="600"/>
+              </a:spcAft>
+              <a:buNone/>
+              <a:defRPr sz="1500">
+                <a:solidFill>
+                  <a:srgbClr val="FFFFFF"/>
+                </a:solidFill>
+              </a:defRPr>
             </a:lvl1pPr>
             <a:lvl2pPr marL="457200" indent="0">
               <a:buNone/>
-              <a:defRPr sz="1400"/>
+              <a:defRPr sz="1200"/>
             </a:lvl2pPr>
             <a:lvl3pPr marL="914400" indent="0">
               <a:buNone/>
-              <a:defRPr sz="1200"/>
+              <a:defRPr sz="1000"/>
             </a:lvl3pPr>
             <a:lvl4pPr marL="1371600" indent="0">
               <a:buNone/>
-              <a:defRPr sz="1000"/>
+              <a:defRPr sz="900"/>
             </a:lvl4pPr>
             <a:lvl5pPr marL="1828800" indent="0">
               <a:buNone/>
-              <a:defRPr sz="1000"/>
+              <a:defRPr sz="900"/>
             </a:lvl5pPr>
             <a:lvl6pPr marL="2286000" indent="0">
               <a:buNone/>
-              <a:defRPr sz="1000"/>
+              <a:defRPr sz="900"/>
             </a:lvl6pPr>
             <a:lvl7pPr marL="2743200" indent="0">
               <a:buNone/>
-              <a:defRPr sz="1000"/>
+              <a:defRPr sz="900"/>
             </a:lvl7pPr>
             <a:lvl8pPr marL="3200400" indent="0">
               <a:buNone/>
-              <a:defRPr sz="1000"/>
+              <a:defRPr sz="900"/>
             </a:lvl8pPr>
             <a:lvl9pPr marL="3657600" indent="0">
               <a:buNone/>
-              <a:defRPr sz="1000"/>
+              <a:defRPr sz="900"/>
             </a:lvl9pPr>
           </a:lstStyle>
           <a:p>
@@ -2341,7 +3007,7 @@
           <a:p>
             <a:fld id="{D5279824-C717-4B52-9E7D-7B6B13CAFE89}" type="datetimeFigureOut">
               <a:rPr lang="en-US" smtClean="0"/>
-              <a:t>2/9/2017</a:t>
+              <a:t>3/18/2017</a:t>
             </a:fld>
             <a:endParaRPr lang="en-US"/>
           </a:p>
@@ -2392,7 +3058,7 @@
     </p:spTree>
     <p:extLst>
       <p:ext uri="{BB962C8B-B14F-4D97-AF65-F5344CB8AC3E}">
-        <p14:creationId xmlns:p14="http://schemas.microsoft.com/office/powerpoint/2010/main" val="1187300831"/>
+        <p14:creationId xmlns:p14="http://schemas.microsoft.com/office/powerpoint/2010/main" val="642268861"/>
       </p:ext>
     </p:extLst>
   </p:cSld>
@@ -2426,25 +3092,101 @@
       </p:grpSpPr>
       <p:sp>
         <p:nvSpPr>
-          <p:cNvPr id="2" name="Title Placeholder 1"/>
-          <p:cNvSpPr>
-            <a:spLocks noGrp="1"/>
-          </p:cNvSpPr>
-          <p:nvPr>
-            <p:ph type="title"/>
-          </p:nvPr>
+          <p:cNvPr id="7" name="Rectangle 6"/>
+          <p:cNvSpPr/>
+          <p:nvPr/>
         </p:nvSpPr>
         <p:spPr>
           <a:xfrm>
-            <a:off x="838200" y="365125"/>
-            <a:ext cx="10515600" cy="1325563"/>
+            <a:off x="1" y="6400800"/>
+            <a:ext cx="12192000" cy="457200"/>
+          </a:xfrm>
+          <a:prstGeom prst="rect">
+            <a:avLst/>
+          </a:prstGeom>
+          <a:solidFill>
+            <a:schemeClr val="accent2"/>
+          </a:solidFill>
+          <a:ln>
+            <a:noFill/>
+          </a:ln>
+        </p:spPr>
+        <p:style>
+          <a:lnRef idx="2">
+            <a:schemeClr val="accent1">
+              <a:shade val="50000"/>
+            </a:schemeClr>
+          </a:lnRef>
+          <a:fillRef idx="1">
+            <a:schemeClr val="accent1"/>
+          </a:fillRef>
+          <a:effectRef idx="0">
+            <a:schemeClr val="accent1"/>
+          </a:effectRef>
+          <a:fontRef idx="minor">
+            <a:schemeClr val="lt1"/>
+          </a:fontRef>
+        </p:style>
+      </p:sp>
+      <p:sp>
+        <p:nvSpPr>
+          <p:cNvPr id="9" name="Rectangle 8"/>
+          <p:cNvSpPr/>
+          <p:nvPr/>
+        </p:nvSpPr>
+        <p:spPr>
+          <a:xfrm>
+            <a:off x="0" y="6334316"/>
+            <a:ext cx="12192001" cy="65998"/>
+          </a:xfrm>
+          <a:prstGeom prst="rect">
+            <a:avLst/>
+          </a:prstGeom>
+          <a:solidFill>
+            <a:schemeClr val="accent1"/>
+          </a:solidFill>
+          <a:ln>
+            <a:noFill/>
+          </a:ln>
+        </p:spPr>
+        <p:style>
+          <a:lnRef idx="2">
+            <a:schemeClr val="accent1">
+              <a:shade val="50000"/>
+            </a:schemeClr>
+          </a:lnRef>
+          <a:fillRef idx="1">
+            <a:schemeClr val="accent1"/>
+          </a:fillRef>
+          <a:effectRef idx="0">
+            <a:schemeClr val="accent1"/>
+          </a:effectRef>
+          <a:fontRef idx="minor">
+            <a:schemeClr val="lt1"/>
+          </a:fontRef>
+        </p:style>
+      </p:sp>
+      <p:sp>
+        <p:nvSpPr>
+          <p:cNvPr id="2" name="Title Placeholder 1"/>
+          <p:cNvSpPr>
+            <a:spLocks noGrp="1"/>
+          </p:cNvSpPr>
+          <p:nvPr>
+            <p:ph type="title"/>
+          </p:nvPr>
+        </p:nvSpPr>
+        <p:spPr>
+          <a:xfrm>
+            <a:off x="1097280" y="286603"/>
+            <a:ext cx="10058400" cy="1450757"/>
           </a:xfrm>
           <a:prstGeom prst="rect">
             <a:avLst/>
           </a:prstGeom>
         </p:spPr>
         <p:txBody>
-          <a:bodyPr vert="horz" lIns="91440" tIns="45720" rIns="91440" bIns="45720" rtlCol="0" anchor="ctr">
+          <a:bodyPr vert="horz" lIns="91440" tIns="45720" rIns="91440" bIns="45720" rtlCol="0" anchor="b">
             <a:normAutofit/>
           </a:bodyPr>
           <a:lstStyle/>
@@ -2453,6 +3195,7 @@
               <a:rPr lang="en-US"/>
               <a:t>Click to edit Master title style</a:t>
             </a:r>
+            <a:endParaRPr lang="en-US" dirty="0"/>
           </a:p>
         </p:txBody>
       </p:sp>
@@ -2468,15 +3211,15 @@
         </p:nvSpPr>
         <p:spPr>
           <a:xfrm>
-            <a:off x="838200" y="1825625"/>
-            <a:ext cx="10515600" cy="4351338"/>
+            <a:off x="1097280" y="1845734"/>
+            <a:ext cx="10058400" cy="4023360"/>
           </a:xfrm>
           <a:prstGeom prst="rect">
             <a:avLst/>
           </a:prstGeom>
         </p:spPr>
         <p:txBody>
-          <a:bodyPr vert="horz" lIns="91440" tIns="45720" rIns="91440" bIns="45720" rtlCol="0">
+          <a:bodyPr vert="horz" lIns="0" tIns="45720" rIns="0" bIns="45720" rtlCol="0">
             <a:normAutofit/>
           </a:bodyPr>
           <a:lstStyle/>
@@ -2514,6 +3257,7 @@
               <a:rPr lang="en-US"/>
               <a:t>Fifth level</a:t>
             </a:r>
+            <a:endParaRPr lang="en-US" dirty="0"/>
           </a:p>
         </p:txBody>
       </p:sp>
@@ -2529,8 +3273,8 @@
         </p:nvSpPr>
         <p:spPr>
           <a:xfrm>
-            <a:off x="838200" y="6356350"/>
-            <a:ext cx="2743200" cy="365125"/>
+            <a:off x="1097280" y="6459785"/>
+            <a:ext cx="2472271" cy="365125"/>
           </a:xfrm>
           <a:prstGeom prst="rect">
             <a:avLst/>
@@ -2540,11 +3284,9 @@
           <a:bodyPr vert="horz" lIns="91440" tIns="45720" rIns="91440" bIns="45720" rtlCol="0" anchor="ctr"/>
           <a:lstStyle>
             <a:lvl1pPr algn="l">
-              <a:defRPr sz="1200">
+              <a:defRPr sz="900">
                 <a:solidFill>
-                  <a:schemeClr val="tx1">
-                    <a:tint val="75000"/>
-                  </a:schemeClr>
+                  <a:srgbClr val="FFFFFF"/>
                 </a:solidFill>
               </a:defRPr>
             </a:lvl1pPr>
@@ -2552,7 +3294,7 @@
           <a:p>
             <a:fld id="{D5279824-C717-4B52-9E7D-7B6B13CAFE89}" type="datetimeFigureOut">
               <a:rPr lang="en-US" smtClean="0"/>
-              <a:t>2/9/2017</a:t>
+              <a:t>3/18/2017</a:t>
             </a:fld>
             <a:endParaRPr lang="en-US"/>
           </a:p>
@@ -2570,8 +3312,8 @@
         </p:nvSpPr>
         <p:spPr>
           <a:xfrm>
-            <a:off x="4038600" y="6356350"/>
-            <a:ext cx="4114800" cy="365125"/>
+            <a:off x="3686185" y="6459785"/>
+            <a:ext cx="4822804" cy="365125"/>
           </a:xfrm>
           <a:prstGeom prst="rect">
             <a:avLst/>
@@ -2581,11 +3323,9 @@
           <a:bodyPr vert="horz" lIns="91440" tIns="45720" rIns="91440" bIns="45720" rtlCol="0" anchor="ctr"/>
           <a:lstStyle>
             <a:lvl1pPr algn="ctr">
-              <a:defRPr sz="1200">
+              <a:defRPr sz="900" cap="all" baseline="0">
                 <a:solidFill>
-                  <a:schemeClr val="tx1">
-                    <a:tint val="75000"/>
-                  </a:schemeClr>
+                  <a:srgbClr val="FFFFFF"/>
                 </a:solidFill>
               </a:defRPr>
             </a:lvl1pPr>
@@ -2607,8 +3347,8 @@
         </p:nvSpPr>
         <p:spPr>
           <a:xfrm>
-            <a:off x="8610600" y="6356350"/>
-            <a:ext cx="2743200" cy="365125"/>
+            <a:off x="9900458" y="6459785"/>
+            <a:ext cx="1312025" cy="365125"/>
           </a:xfrm>
           <a:prstGeom prst="rect">
             <a:avLst/>
@@ -2618,11 +3358,9 @@
           <a:bodyPr vert="horz" lIns="91440" tIns="45720" rIns="91440" bIns="45720" rtlCol="0" anchor="ctr"/>
           <a:lstStyle>
             <a:lvl1pPr algn="r">
-              <a:defRPr sz="1200">
+              <a:defRPr sz="1050">
                 <a:solidFill>
-                  <a:schemeClr val="tx1">
-                    <a:tint val="75000"/>
-                  </a:schemeClr>
+                  <a:srgbClr val="FFFFFF"/>
                 </a:solidFill>
               </a:defRPr>
             </a:lvl1pPr>
@@ -2636,40 +3374,81 @@
           </a:p>
         </p:txBody>
       </p:sp>
+      <p:cxnSp>
+        <p:nvCxnSpPr>
+          <p:cNvPr id="10" name="Straight Connector 9"/>
+          <p:cNvCxnSpPr/>
+          <p:nvPr/>
+        </p:nvCxnSpPr>
+        <p:spPr>
+          <a:xfrm>
+            <a:off x="1193532" y="1737845"/>
+            <a:ext cx="9966960" cy="0"/>
+          </a:xfrm>
+          <a:prstGeom prst="line">
+            <a:avLst/>
+          </a:prstGeom>
+          <a:ln w="6350">
+            <a:solidFill>
+              <a:schemeClr val="tx1">
+                <a:lumMod val="50000"/>
+                <a:lumOff val="50000"/>
+              </a:schemeClr>
+            </a:solidFill>
+          </a:ln>
+        </p:spPr>
+        <p:style>
+          <a:lnRef idx="1">
+            <a:schemeClr val="accent1"/>
+          </a:lnRef>
+          <a:fillRef idx="0">
+            <a:schemeClr val="accent1"/>
+          </a:fillRef>
+          <a:effectRef idx="0">
+            <a:schemeClr val="accent1"/>
+          </a:effectRef>
+          <a:fontRef idx="minor">
+            <a:schemeClr val="tx1"/>
+          </a:fontRef>
+        </p:style>
+      </p:cxnSp>
     </p:spTree>
     <p:extLst>
       <p:ext uri="{BB962C8B-B14F-4D97-AF65-F5344CB8AC3E}">
-        <p14:creationId xmlns:p14="http://schemas.microsoft.com/office/powerpoint/2010/main" val="545562736"/>
+        <p14:creationId xmlns:p14="http://schemas.microsoft.com/office/powerpoint/2010/main" val="20244332"/>
       </p:ext>
     </p:extLst>
   </p:cSld>
   <p:clrMap bg1="lt1" tx1="dk1" bg2="lt2" tx2="dk2" accent1="accent1" accent2="accent2" accent3="accent3" accent4="accent4" accent5="accent5" accent6="accent6" hlink="hlink" folHlink="folHlink"/>
   <p:sldLayoutIdLst>
-    <p:sldLayoutId id="2147483649" r:id="rId1"/>
-    <p:sldLayoutId id="2147483650" r:id="rId2"/>
-    <p:sldLayoutId id="2147483651" r:id="rId3"/>
-    <p:sldLayoutId id="2147483652" r:id="rId4"/>
-    <p:sldLayoutId id="2147483653" r:id="rId5"/>
-    <p:sldLayoutId id="2147483654" r:id="rId6"/>
-    <p:sldLayoutId id="2147483655" r:id="rId7"/>
-    <p:sldLayoutId id="2147483656" r:id="rId8"/>
-    <p:sldLayoutId id="2147483657" r:id="rId9"/>
-    <p:sldLayoutId id="2147483658" r:id="rId10"/>
-    <p:sldLayoutId id="2147483659" r:id="rId11"/>
+    <p:sldLayoutId id="2147483673" r:id="rId1"/>
+    <p:sldLayoutId id="2147483674" r:id="rId2"/>
+    <p:sldLayoutId id="2147483675" r:id="rId3"/>
+    <p:sldLayoutId id="2147483676" r:id="rId4"/>
+    <p:sldLayoutId id="2147483677" r:id="rId5"/>
+    <p:sldLayoutId id="2147483678" r:id="rId6"/>
+    <p:sldLayoutId id="2147483679" r:id="rId7"/>
+    <p:sldLayoutId id="2147483680" r:id="rId8"/>
+    <p:sldLayoutId id="2147483681" r:id="rId9"/>
+    <p:sldLayoutId id="2147483682" r:id="rId10"/>
+    <p:sldLayoutId id="2147483683" r:id="rId11"/>
   </p:sldLayoutIdLst>
   <p:txStyles>
     <p:titleStyle>
       <a:lvl1pPr algn="l" defTabSz="914400" rtl="0" eaLnBrk="1" latinLnBrk="0" hangingPunct="1">
         <a:lnSpc>
-          <a:spcPct val="90000"/>
+          <a:spcPct val="85000"/>
         </a:lnSpc>
         <a:spcBef>
           <a:spcPct val="0"/>
         </a:spcBef>
         <a:buNone/>
-        <a:defRPr sz="4400" kern="1200">
+        <a:defRPr sz="4800" kern="1200" spc="-50" baseline="0">
           <a:solidFill>
-            <a:schemeClr val="tx1"/>
+            <a:schemeClr val="tx1">
+              <a:lumMod val="75000"/>
+              <a:lumOff val="25000"/>
+            </a:schemeClr>
           </a:solidFill>
           <a:latin typeface="+mj-lt"/>
           <a:ea typeface="+mj-ea"/>
@@ -2678,162 +3457,244 @@
       </a:lvl1pPr>
     </p:titleStyle>
     <p:bodyStyle>
-      <a:lvl1pPr marL="228600" indent="-228600" algn="l" defTabSz="914400" rtl="0" eaLnBrk="1" latinLnBrk="0" hangingPunct="1">
+      <a:lvl1pPr marL="91440" indent="-91440" algn="l" defTabSz="914400" rtl="0" eaLnBrk="1" latinLnBrk="0" hangingPunct="1">
         <a:lnSpc>
           <a:spcPct val="90000"/>
         </a:lnSpc>
         <a:spcBef>
-          <a:spcPts val="1000"/>
+          <a:spcPts val="1200"/>
         </a:spcBef>
-        <a:buFont typeface="Arial" panose="020B0604020202020204" pitchFamily="34" charset="0"/>
-        <a:buChar char="•"/>
-        <a:defRPr sz="2800" kern="1200">
+        <a:spcAft>
+          <a:spcPts val="200"/>
+        </a:spcAft>
+        <a:buClr>
+          <a:schemeClr val="accent1"/>
+        </a:buClr>
+        <a:buSzPct val="100000"/>
+        <a:buFont typeface="Calibri" panose="020F0502020204030204" pitchFamily="34" charset="0"/>
+        <a:buChar char=" "/>
+        <a:defRPr sz="2000" kern="1200">
           <a:solidFill>
-            <a:schemeClr val="tx1"/>
+            <a:schemeClr val="tx1">
+              <a:lumMod val="75000"/>
+              <a:lumOff val="25000"/>
+            </a:schemeClr>
           </a:solidFill>
           <a:latin typeface="+mn-lt"/>
           <a:ea typeface="+mn-ea"/>
           <a:cs typeface="+mn-cs"/>
         </a:defRPr>
       </a:lvl1pPr>
-      <a:lvl2pPr marL="685800" indent="-228600" algn="l" defTabSz="914400" rtl="0" eaLnBrk="1" latinLnBrk="0" hangingPunct="1">
+      <a:lvl2pPr marL="384048" indent="-182880" algn="l" defTabSz="914400" rtl="0" eaLnBrk="1" latinLnBrk="0" hangingPunct="1">
         <a:lnSpc>
           <a:spcPct val="90000"/>
         </a:lnSpc>
         <a:spcBef>
-          <a:spcPts val="500"/>
+          <a:spcPts val="200"/>
         </a:spcBef>
-        <a:buFont typeface="Arial" panose="020B0604020202020204" pitchFamily="34" charset="0"/>
-        <a:buChar char="•"/>
-        <a:defRPr sz="2400" kern="1200">
+        <a:spcAft>
+          <a:spcPts val="400"/>
+        </a:spcAft>
+        <a:buClr>
+          <a:schemeClr val="accent1"/>
+        </a:buClr>
+        <a:buFont typeface="Calibri" pitchFamily="34" charset="0"/>
+        <a:buChar char="◦"/>
+        <a:defRPr sz="1800" kern="1200">
           <a:solidFill>
-            <a:schemeClr val="tx1"/>
+            <a:schemeClr val="tx1">
+              <a:lumMod val="75000"/>
+              <a:lumOff val="25000"/>
+            </a:schemeClr>
           </a:solidFill>
           <a:latin typeface="+mn-lt"/>
           <a:ea typeface="+mn-ea"/>
           <a:cs typeface="+mn-cs"/>
         </a:defRPr>
       </a:lvl2pPr>
-      <a:lvl3pPr marL="1143000" indent="-228600" algn="l" defTabSz="914400" rtl="0" eaLnBrk="1" latinLnBrk="0" hangingPunct="1">
+      <a:lvl3pPr marL="566928" indent="-182880" algn="l" defTabSz="914400" rtl="0" eaLnBrk="1" latinLnBrk="0" hangingPunct="1">
         <a:lnSpc>
           <a:spcPct val="90000"/>
         </a:lnSpc>
         <a:spcBef>
-          <a:spcPts val="500"/>
+          <a:spcPts val="200"/>
         </a:spcBef>
-        <a:buFont typeface="Arial" panose="020B0604020202020204" pitchFamily="34" charset="0"/>
-        <a:buChar char="•"/>
-        <a:defRPr sz="2000" kern="1200">
+        <a:spcAft>
+          <a:spcPts val="400"/>
+        </a:spcAft>
+        <a:buClr>
+          <a:schemeClr val="accent1"/>
+        </a:buClr>
+        <a:buFont typeface="Calibri" pitchFamily="34" charset="0"/>
+        <a:buChar char="◦"/>
+        <a:defRPr sz="1400" kern="1200">
           <a:solidFill>
-            <a:schemeClr val="tx1"/>
+            <a:schemeClr val="tx1">
+              <a:lumMod val="75000"/>
+              <a:lumOff val="25000"/>
+            </a:schemeClr>
           </a:solidFill>
           <a:latin typeface="+mn-lt"/>
           <a:ea typeface="+mn-ea"/>
           <a:cs typeface="+mn-cs"/>
         </a:defRPr>
       </a:lvl3pPr>
-      <a:lvl4pPr marL="1600200" indent="-228600" algn="l" defTabSz="914400" rtl="0" eaLnBrk="1" latinLnBrk="0" hangingPunct="1">
+      <a:lvl4pPr marL="749808" indent="-182880" algn="l" defTabSz="914400" rtl="0" eaLnBrk="1" latinLnBrk="0" hangingPunct="1">
         <a:lnSpc>
           <a:spcPct val="90000"/>
         </a:lnSpc>
         <a:spcBef>
-          <a:spcPts val="500"/>
+          <a:spcPts val="200"/>
         </a:spcBef>
-        <a:buFont typeface="Arial" panose="020B0604020202020204" pitchFamily="34" charset="0"/>
-        <a:buChar char="•"/>
-        <a:defRPr sz="1800" kern="1200">
+        <a:spcAft>
+          <a:spcPts val="400"/>
+        </a:spcAft>
+        <a:buClr>
+          <a:schemeClr val="accent1"/>
+        </a:buClr>
+        <a:buFont typeface="Calibri" pitchFamily="34" charset="0"/>
+        <a:buChar char="◦"/>
+        <a:defRPr sz="1400" kern="1200">
           <a:solidFill>
-            <a:schemeClr val="tx1"/>
+            <a:schemeClr val="tx1">
+              <a:lumMod val="75000"/>
+              <a:lumOff val="25000"/>
+            </a:schemeClr>
           </a:solidFill>
           <a:latin typeface="+mn-lt"/>
           <a:ea typeface="+mn-ea"/>
           <a:cs typeface="+mn-cs"/>
         </a:defRPr>
       </a:lvl4pPr>
-      <a:lvl5pPr marL="2057400" indent="-228600" algn="l" defTabSz="914400" rtl="0" eaLnBrk="1" latinLnBrk="0" hangingPunct="1">
+      <a:lvl5pPr marL="932688" indent="-182880" algn="l" defTabSz="914400" rtl="0" eaLnBrk="1" latinLnBrk="0" hangingPunct="1">
         <a:lnSpc>
           <a:spcPct val="90000"/>
         </a:lnSpc>
         <a:spcBef>
-          <a:spcPts val="500"/>
+          <a:spcPts val="200"/>
         </a:spcBef>
-        <a:buFont typeface="Arial" panose="020B0604020202020204" pitchFamily="34" charset="0"/>
-        <a:buChar char="•"/>
-        <a:defRPr sz="1800" kern="1200">
+        <a:spcAft>
+          <a:spcPts val="400"/>
+        </a:spcAft>
+        <a:buClr>
+          <a:schemeClr val="accent1"/>
+        </a:buClr>
+        <a:buFont typeface="Calibri" pitchFamily="34" charset="0"/>
+        <a:buChar char="◦"/>
+        <a:defRPr sz="1400" kern="1200">
           <a:solidFill>
-            <a:schemeClr val="tx1"/>
+            <a:schemeClr val="tx1">
+              <a:lumMod val="75000"/>
+              <a:lumOff val="25000"/>
+            </a:schemeClr>
           </a:solidFill>
           <a:latin typeface="+mn-lt"/>
           <a:ea typeface="+mn-ea"/>
           <a:cs typeface="+mn-cs"/>
         </a:defRPr>
       </a:lvl5pPr>
-      <a:lvl6pPr marL="2514600" indent="-228600" algn="l" defTabSz="914400" rtl="0" eaLnBrk="1" latinLnBrk="0" hangingPunct="1">
+      <a:lvl6pPr marL="1100000" indent="-228600" algn="l" defTabSz="914400" rtl="0" eaLnBrk="1" latinLnBrk="0" hangingPunct="1">
         <a:lnSpc>
           <a:spcPct val="90000"/>
         </a:lnSpc>
         <a:spcBef>
-          <a:spcPts val="500"/>
+          <a:spcPts val="200"/>
         </a:spcBef>
-        <a:buFont typeface="Arial" panose="020B0604020202020204" pitchFamily="34" charset="0"/>
-        <a:buChar char="•"/>
-        <a:defRPr sz="1800" kern="1200">
+        <a:spcAft>
+          <a:spcPts val="400"/>
+        </a:spcAft>
+        <a:buClr>
+          <a:schemeClr val="accent1"/>
+        </a:buClr>
+        <a:buFont typeface="Calibri" pitchFamily="34" charset="0"/>
+        <a:buChar char="◦"/>
+        <a:defRPr sz="1400" kern="1200">
           <a:solidFill>
-            <a:schemeClr val="tx1"/>
+            <a:schemeClr val="tx1">
+              <a:lumMod val="75000"/>
+              <a:lumOff val="25000"/>
+            </a:schemeClr>
           </a:solidFill>
           <a:latin typeface="+mn-lt"/>
           <a:ea typeface="+mn-ea"/>
           <a:cs typeface="+mn-cs"/>
         </a:defRPr>
       </a:lvl6pPr>
-      <a:lvl7pPr marL="2971800" indent="-228600" algn="l" defTabSz="914400" rtl="0" eaLnBrk="1" latinLnBrk="0" hangingPunct="1">
+      <a:lvl7pPr marL="1300000" indent="-228600" algn="l" defTabSz="914400" rtl="0" eaLnBrk="1" latinLnBrk="0" hangingPunct="1">
         <a:lnSpc>
           <a:spcPct val="90000"/>
         </a:lnSpc>
         <a:spcBef>
-          <a:spcPts val="500"/>
+          <a:spcPts val="200"/>
         </a:spcBef>
-        <a:buFont typeface="Arial" panose="020B0604020202020204" pitchFamily="34" charset="0"/>
-        <a:buChar char="•"/>
-        <a:defRPr sz="1800" kern="1200">
+        <a:spcAft>
+          <a:spcPts val="400"/>
+        </a:spcAft>
+        <a:buClr>
+          <a:schemeClr val="accent1"/>
+        </a:buClr>
+        <a:buFont typeface="Calibri" pitchFamily="34" charset="0"/>
+        <a:buChar char="◦"/>
+        <a:defRPr sz="1400" kern="1200">
           <a:solidFill>
-            <a:schemeClr val="tx1"/>
+            <a:schemeClr val="tx1">
+              <a:lumMod val="75000"/>
+              <a:lumOff val="25000"/>
+            </a:schemeClr>
           </a:solidFill>
           <a:latin typeface="+mn-lt"/>
           <a:ea typeface="+mn-ea"/>
           <a:cs typeface="+mn-cs"/>
         </a:defRPr>
       </a:lvl7pPr>
-      <a:lvl8pPr marL="3429000" indent="-228600" algn="l" defTabSz="914400" rtl="0" eaLnBrk="1" latinLnBrk="0" hangingPunct="1">
+      <a:lvl8pPr marL="1500000" indent="-228600" algn="l" defTabSz="914400" rtl="0" eaLnBrk="1" latinLnBrk="0" hangingPunct="1">
         <a:lnSpc>
           <a:spcPct val="90000"/>
         </a:lnSpc>
         <a:spcBef>
-          <a:spcPts val="500"/>
+          <a:spcPts val="200"/>
         </a:spcBef>
-        <a:buFont typeface="Arial" panose="020B0604020202020204" pitchFamily="34" charset="0"/>
-        <a:buChar char="•"/>
-        <a:defRPr sz="1800" kern="1200">
+        <a:spcAft>
+          <a:spcPts val="400"/>
+        </a:spcAft>
+        <a:buClr>
+          <a:schemeClr val="accent1"/>
+        </a:buClr>
+        <a:buFont typeface="Calibri" pitchFamily="34" charset="0"/>
+        <a:buChar char="◦"/>
+        <a:defRPr sz="1400" kern="1200">
           <a:solidFill>
-            <a:schemeClr val="tx1"/>
+            <a:schemeClr val="tx1">
+              <a:lumMod val="75000"/>
+              <a:lumOff val="25000"/>
+            </a:schemeClr>
           </a:solidFill>
           <a:latin typeface="+mn-lt"/>
           <a:ea typeface="+mn-ea"/>
           <a:cs typeface="+mn-cs"/>
         </a:defRPr>
       </a:lvl8pPr>
-      <a:lvl9pPr marL="3886200" indent="-228600" algn="l" defTabSz="914400" rtl="0" eaLnBrk="1" latinLnBrk="0" hangingPunct="1">
+      <a:lvl9pPr marL="1700000" indent="-228600" algn="l" defTabSz="914400" rtl="0" eaLnBrk="1" latinLnBrk="0" hangingPunct="1">
         <a:lnSpc>
           <a:spcPct val="90000"/>
         </a:lnSpc>
         <a:spcBef>
-          <a:spcPts val="500"/>
+          <a:spcPts val="200"/>
         </a:spcBef>
-        <a:buFont typeface="Arial" panose="020B0604020202020204" pitchFamily="34" charset="0"/>
-        <a:buChar char="•"/>
-        <a:defRPr sz="1800" kern="1200">
+        <a:spcAft>
+          <a:spcPts val="400"/>
+        </a:spcAft>
+        <a:buClr>
+          <a:schemeClr val="accent1"/>
+        </a:buClr>
+        <a:buFont typeface="Calibri" pitchFamily="34" charset="0"/>
+        <a:buChar char="◦"/>
+        <a:defRPr sz="1400" kern="1200">
           <a:solidFill>
-            <a:schemeClr val="tx1"/>
+            <a:schemeClr val="tx1">
+              <a:lumMod val="75000"/>
+              <a:lumOff val="25000"/>
+            </a:schemeClr>
           </a:solidFill>
           <a:latin typeface="+mn-lt"/>
           <a:ea typeface="+mn-ea"/>
@@ -3054,7 +3915,7 @@
           <a:p>
             <a:r>
               <a:rPr lang="en-US" dirty="0"/>
-              <a:t>The Real World</a:t>
+              <a:t>Questions?</a:t>
             </a:r>
           </a:p>
         </p:txBody>
@@ -3074,48 +3935,61 @@
           <a:bodyPr/>
           <a:lstStyle/>
           <a:p>
-            <a:r>
-              <a:rPr lang="en-US" dirty="0"/>
-              <a:t>Library definitions (definitely typed a-la </a:t>
-            </a:r>
-            <a:r>
-              <a:rPr lang="en-US" dirty="0" err="1">
-                <a:solidFill>
-                  <a:srgbClr val="FFC000"/>
-                </a:solidFill>
-                <a:latin typeface="Consolas" panose="020B0609020204030204" pitchFamily="49" charset="0"/>
+            <a:endParaRPr lang="en-US" dirty="0">
+              <a:hlinkClick r:id="rId2"/>
+            </a:endParaRPr>
+          </a:p>
+          <a:p>
+            <a:r>
+              <a:rPr lang="en-US" sz="3200" dirty="0">
+                <a:hlinkClick r:id="rId2"/>
               </a:rPr>
-              <a:t>typings</a:t>
-            </a:r>
-            <a:r>
-              <a:rPr lang="en-US" dirty="0"/>
-              <a:t>)</a:t>
-            </a:r>
-          </a:p>
-          <a:p>
-            <a:r>
-              <a:rPr lang="en-US" dirty="0"/>
-              <a:t>Migrating JavaScript </a:t>
-            </a:r>
-          </a:p>
-          <a:p>
-            <a:r>
-              <a:rPr lang="en-US" dirty="0"/>
-              <a:t>Compiler Options</a:t>
-            </a:r>
-          </a:p>
-          <a:p>
-            <a:r>
-              <a:rPr lang="en-US" dirty="0"/>
-              <a:t>AMD</a:t>
-            </a:r>
+              <a:t>https://github.com/JeremyLikness/typescript-cca</a:t>
+            </a:r>
+            <a:r>
+              <a:rPr lang="en-US" sz="3200" dirty="0"/>
+              <a:t> </a:t>
+            </a:r>
+          </a:p>
+          <a:p>
+            <a:r>
+              <a:rPr lang="en-US" sz="3200" dirty="0">
+                <a:hlinkClick r:id="rId3"/>
+              </a:rPr>
+              <a:t>http://bit.ly/coderbog</a:t>
+            </a:r>
+            <a:r>
+              <a:rPr lang="en-US" sz="3200" dirty="0"/>
+              <a:t> </a:t>
+            </a:r>
+          </a:p>
+          <a:p>
+            <a:endParaRPr lang="en-US" sz="3200" dirty="0"/>
+          </a:p>
+          <a:p>
+            <a:r>
+              <a:rPr lang="en-US" sz="3200" dirty="0">
+                <a:hlinkClick r:id="rId4"/>
+              </a:rPr>
+              <a:t>http://typescriptlang.org/</a:t>
+            </a:r>
+            <a:r>
+              <a:rPr lang="en-US" sz="3200" dirty="0"/>
+              <a:t> </a:t>
+            </a:r>
+          </a:p>
+          <a:p>
+            <a:endParaRPr lang="en-US" dirty="0"/>
+          </a:p>
+          <a:p>
+            <a:endParaRPr lang="en-US" dirty="0"/>
           </a:p>
         </p:txBody>
       </p:sp>
     </p:spTree>
     <p:extLst>
       <p:ext uri="{BB962C8B-B14F-4D97-AF65-F5344CB8AC3E}">
-        <p14:creationId xmlns:p14="http://schemas.microsoft.com/office/powerpoint/2010/main" val="1026106702"/>
+        <p14:creationId xmlns:p14="http://schemas.microsoft.com/office/powerpoint/2010/main" val="429221822"/>
       </p:ext>
     </p:extLst>
   </p:cSld>
@@ -3174,7 +4048,12 @@
             <p:ph idx="1"/>
           </p:nvPr>
         </p:nvSpPr>
-        <p:spPr/>
+        <p:spPr>
+          <a:xfrm>
+            <a:off x="1097280" y="1845734"/>
+            <a:ext cx="3965374" cy="4023360"/>
+          </a:xfrm>
+        </p:spPr>
         <p:txBody>
           <a:bodyPr/>
           <a:lstStyle/>
@@ -3236,6 +4115,12 @@
               <a:rPr lang="en-US" dirty="0"/>
               <a:t> </a:t>
             </a:r>
+          </a:p>
+          <a:p>
+            <a:pPr marL="0" indent="0">
+              <a:buNone/>
+            </a:pPr>
+            <a:endParaRPr lang="en-US" dirty="0"/>
           </a:p>
           <a:p>
             <a:pPr marL="0" indent="0">
@@ -3267,7 +4152,7 @@
         </p:blipFill>
         <p:spPr>
           <a:xfrm>
-            <a:off x="9160909" y="365125"/>
+            <a:off x="8953817" y="126229"/>
             <a:ext cx="2192891" cy="1460500"/>
           </a:xfrm>
           <a:prstGeom prst="rect">
@@ -3283,7 +4168,7 @@
         </p:nvSpPr>
         <p:spPr>
           <a:xfrm>
-            <a:off x="8569304" y="4666729"/>
+            <a:off x="8371184" y="4633276"/>
             <a:ext cx="2784496" cy="1510234"/>
           </a:xfrm>
           <a:prstGeom prst="rect">
@@ -3341,7 +4226,7 @@
         </p:blipFill>
         <p:spPr bwMode="auto">
           <a:xfrm>
-            <a:off x="8776396" y="4925734"/>
+            <a:off x="8578276" y="4892281"/>
             <a:ext cx="2370312" cy="992224"/>
           </a:xfrm>
           <a:prstGeom prst="rect">
@@ -3359,6 +4244,342 @@
           </a:extLst>
         </p:spPr>
       </p:pic>
+      <p:sp>
+        <p:nvSpPr>
+          <p:cNvPr id="7" name="Content Placeholder 2"/>
+          <p:cNvSpPr txBox="1">
+            <a:spLocks/>
+          </p:cNvSpPr>
+          <p:nvPr/>
+        </p:nvSpPr>
+        <p:spPr>
+          <a:xfrm>
+            <a:off x="4906537" y="1845734"/>
+            <a:ext cx="5720575" cy="4023360"/>
+          </a:xfrm>
+          <a:prstGeom prst="rect">
+            <a:avLst/>
+          </a:prstGeom>
+        </p:spPr>
+        <p:txBody>
+          <a:bodyPr vert="horz" lIns="0" tIns="45720" rIns="0" bIns="45720" rtlCol="0">
+            <a:normAutofit/>
+          </a:bodyPr>
+          <a:lstStyle>
+            <a:lvl1pPr marL="91440" indent="-91440" algn="l" defTabSz="914400" rtl="0" eaLnBrk="1" latinLnBrk="0" hangingPunct="1">
+              <a:lnSpc>
+                <a:spcPct val="90000"/>
+              </a:lnSpc>
+              <a:spcBef>
+                <a:spcPts val="1200"/>
+              </a:spcBef>
+              <a:spcAft>
+                <a:spcPts val="200"/>
+              </a:spcAft>
+              <a:buClr>
+                <a:schemeClr val="accent1"/>
+              </a:buClr>
+              <a:buSzPct val="100000"/>
+              <a:buFont typeface="Calibri" panose="020F0502020204030204" pitchFamily="34" charset="0"/>
+              <a:buChar char=" "/>
+              <a:defRPr sz="2000" kern="1200">
+                <a:solidFill>
+                  <a:schemeClr val="tx1">
+                    <a:lumMod val="75000"/>
+                    <a:lumOff val="25000"/>
+                  </a:schemeClr>
+                </a:solidFill>
+                <a:latin typeface="+mn-lt"/>
+                <a:ea typeface="+mn-ea"/>
+                <a:cs typeface="+mn-cs"/>
+              </a:defRPr>
+            </a:lvl1pPr>
+            <a:lvl2pPr marL="384048" indent="-182880" algn="l" defTabSz="914400" rtl="0" eaLnBrk="1" latinLnBrk="0" hangingPunct="1">
+              <a:lnSpc>
+                <a:spcPct val="90000"/>
+              </a:lnSpc>
+              <a:spcBef>
+                <a:spcPts val="200"/>
+              </a:spcBef>
+              <a:spcAft>
+                <a:spcPts val="400"/>
+              </a:spcAft>
+              <a:buClr>
+                <a:schemeClr val="accent1"/>
+              </a:buClr>
+              <a:buFont typeface="Calibri" pitchFamily="34" charset="0"/>
+              <a:buChar char="◦"/>
+              <a:defRPr sz="1800" kern="1200">
+                <a:solidFill>
+                  <a:schemeClr val="tx1">
+                    <a:lumMod val="75000"/>
+                    <a:lumOff val="25000"/>
+                  </a:schemeClr>
+                </a:solidFill>
+                <a:latin typeface="+mn-lt"/>
+                <a:ea typeface="+mn-ea"/>
+                <a:cs typeface="+mn-cs"/>
+              </a:defRPr>
+            </a:lvl2pPr>
+            <a:lvl3pPr marL="566928" indent="-182880" algn="l" defTabSz="914400" rtl="0" eaLnBrk="1" latinLnBrk="0" hangingPunct="1">
+              <a:lnSpc>
+                <a:spcPct val="90000"/>
+              </a:lnSpc>
+              <a:spcBef>
+                <a:spcPts val="200"/>
+              </a:spcBef>
+              <a:spcAft>
+                <a:spcPts val="400"/>
+              </a:spcAft>
+              <a:buClr>
+                <a:schemeClr val="accent1"/>
+              </a:buClr>
+              <a:buFont typeface="Calibri" pitchFamily="34" charset="0"/>
+              <a:buChar char="◦"/>
+              <a:defRPr sz="1400" kern="1200">
+                <a:solidFill>
+                  <a:schemeClr val="tx1">
+                    <a:lumMod val="75000"/>
+                    <a:lumOff val="25000"/>
+                  </a:schemeClr>
+                </a:solidFill>
+                <a:latin typeface="+mn-lt"/>
+                <a:ea typeface="+mn-ea"/>
+                <a:cs typeface="+mn-cs"/>
+              </a:defRPr>
+            </a:lvl3pPr>
+            <a:lvl4pPr marL="749808" indent="-182880" algn="l" defTabSz="914400" rtl="0" eaLnBrk="1" latinLnBrk="0" hangingPunct="1">
+              <a:lnSpc>
+                <a:spcPct val="90000"/>
+              </a:lnSpc>
+              <a:spcBef>
+                <a:spcPts val="200"/>
+              </a:spcBef>
+              <a:spcAft>
+                <a:spcPts val="400"/>
+              </a:spcAft>
+              <a:buClr>
+                <a:schemeClr val="accent1"/>
+              </a:buClr>
+              <a:buFont typeface="Calibri" pitchFamily="34" charset="0"/>
+              <a:buChar char="◦"/>
+              <a:defRPr sz="1400" kern="1200">
+                <a:solidFill>
+                  <a:schemeClr val="tx1">
+                    <a:lumMod val="75000"/>
+                    <a:lumOff val="25000"/>
+                  </a:schemeClr>
+                </a:solidFill>
+                <a:latin typeface="+mn-lt"/>
+                <a:ea typeface="+mn-ea"/>
+                <a:cs typeface="+mn-cs"/>
+              </a:defRPr>
+            </a:lvl4pPr>
+            <a:lvl5pPr marL="932688" indent="-182880" algn="l" defTabSz="914400" rtl="0" eaLnBrk="1" latinLnBrk="0" hangingPunct="1">
+              <a:lnSpc>
+                <a:spcPct val="90000"/>
+              </a:lnSpc>
+              <a:spcBef>
+                <a:spcPts val="200"/>
+              </a:spcBef>
+              <a:spcAft>
+                <a:spcPts val="400"/>
+              </a:spcAft>
+              <a:buClr>
+                <a:schemeClr val="accent1"/>
+              </a:buClr>
+              <a:buFont typeface="Calibri" pitchFamily="34" charset="0"/>
+              <a:buChar char="◦"/>
+              <a:defRPr sz="1400" kern="1200">
+                <a:solidFill>
+                  <a:schemeClr val="tx1">
+                    <a:lumMod val="75000"/>
+                    <a:lumOff val="25000"/>
+                  </a:schemeClr>
+                </a:solidFill>
+                <a:latin typeface="+mn-lt"/>
+                <a:ea typeface="+mn-ea"/>
+                <a:cs typeface="+mn-cs"/>
+              </a:defRPr>
+            </a:lvl5pPr>
+            <a:lvl6pPr marL="1100000" indent="-228600" algn="l" defTabSz="914400" rtl="0" eaLnBrk="1" latinLnBrk="0" hangingPunct="1">
+              <a:lnSpc>
+                <a:spcPct val="90000"/>
+              </a:lnSpc>
+              <a:spcBef>
+                <a:spcPts val="200"/>
+              </a:spcBef>
+              <a:spcAft>
+                <a:spcPts val="400"/>
+              </a:spcAft>
+              <a:buClr>
+                <a:schemeClr val="accent1"/>
+              </a:buClr>
+              <a:buFont typeface="Calibri" pitchFamily="34" charset="0"/>
+              <a:buChar char="◦"/>
+              <a:defRPr sz="1400" kern="1200">
+                <a:solidFill>
+                  <a:schemeClr val="tx1">
+                    <a:lumMod val="75000"/>
+                    <a:lumOff val="25000"/>
+                  </a:schemeClr>
+                </a:solidFill>
+                <a:latin typeface="+mn-lt"/>
+                <a:ea typeface="+mn-ea"/>
+                <a:cs typeface="+mn-cs"/>
+              </a:defRPr>
+            </a:lvl6pPr>
+            <a:lvl7pPr marL="1300000" indent="-228600" algn="l" defTabSz="914400" rtl="0" eaLnBrk="1" latinLnBrk="0" hangingPunct="1">
+              <a:lnSpc>
+                <a:spcPct val="90000"/>
+              </a:lnSpc>
+              <a:spcBef>
+                <a:spcPts val="200"/>
+              </a:spcBef>
+              <a:spcAft>
+                <a:spcPts val="400"/>
+              </a:spcAft>
+              <a:buClr>
+                <a:schemeClr val="accent1"/>
+              </a:buClr>
+              <a:buFont typeface="Calibri" pitchFamily="34" charset="0"/>
+              <a:buChar char="◦"/>
+              <a:defRPr sz="1400" kern="1200">
+                <a:solidFill>
+                  <a:schemeClr val="tx1">
+                    <a:lumMod val="75000"/>
+                    <a:lumOff val="25000"/>
+                  </a:schemeClr>
+                </a:solidFill>
+                <a:latin typeface="+mn-lt"/>
+                <a:ea typeface="+mn-ea"/>
+                <a:cs typeface="+mn-cs"/>
+              </a:defRPr>
+            </a:lvl7pPr>
+            <a:lvl8pPr marL="1500000" indent="-228600" algn="l" defTabSz="914400" rtl="0" eaLnBrk="1" latinLnBrk="0" hangingPunct="1">
+              <a:lnSpc>
+                <a:spcPct val="90000"/>
+              </a:lnSpc>
+              <a:spcBef>
+                <a:spcPts val="200"/>
+              </a:spcBef>
+              <a:spcAft>
+                <a:spcPts val="400"/>
+              </a:spcAft>
+              <a:buClr>
+                <a:schemeClr val="accent1"/>
+              </a:buClr>
+              <a:buFont typeface="Calibri" pitchFamily="34" charset="0"/>
+              <a:buChar char="◦"/>
+              <a:defRPr sz="1400" kern="1200">
+                <a:solidFill>
+                  <a:schemeClr val="tx1">
+                    <a:lumMod val="75000"/>
+                    <a:lumOff val="25000"/>
+                  </a:schemeClr>
+                </a:solidFill>
+                <a:latin typeface="+mn-lt"/>
+                <a:ea typeface="+mn-ea"/>
+                <a:cs typeface="+mn-cs"/>
+              </a:defRPr>
+            </a:lvl8pPr>
+            <a:lvl9pPr marL="1700000" indent="-228600" algn="l" defTabSz="914400" rtl="0" eaLnBrk="1" latinLnBrk="0" hangingPunct="1">
+              <a:lnSpc>
+                <a:spcPct val="90000"/>
+              </a:lnSpc>
+              <a:spcBef>
+                <a:spcPts val="200"/>
+              </a:spcBef>
+              <a:spcAft>
+                <a:spcPts val="400"/>
+              </a:spcAft>
+              <a:buClr>
+                <a:schemeClr val="accent1"/>
+              </a:buClr>
+              <a:buFont typeface="Calibri" pitchFamily="34" charset="0"/>
+              <a:buChar char="◦"/>
+              <a:defRPr sz="1400" kern="1200">
+                <a:solidFill>
+                  <a:schemeClr val="tx1">
+                    <a:lumMod val="75000"/>
+                    <a:lumOff val="25000"/>
+                  </a:schemeClr>
+                </a:solidFill>
+                <a:latin typeface="+mn-lt"/>
+                <a:ea typeface="+mn-ea"/>
+                <a:cs typeface="+mn-cs"/>
+              </a:defRPr>
+            </a:lvl9pPr>
+          </a:lstStyle>
+          <a:p>
+            <a:pPr>
+              <a:buFont typeface="Wingdings" panose="05000000000000000000" pitchFamily="2" charset="2"/>
+              <a:buChar char="§"/>
+            </a:pPr>
+            <a:r>
+              <a:rPr lang="en-US" dirty="0"/>
+              <a:t> 20 Years Professional Development</a:t>
+            </a:r>
+          </a:p>
+          <a:p>
+            <a:pPr>
+              <a:buFont typeface="Wingdings" panose="05000000000000000000" pitchFamily="2" charset="2"/>
+              <a:buChar char="§"/>
+            </a:pPr>
+            <a:r>
+              <a:rPr lang="en-US" dirty="0"/>
+              <a:t> JavaScript developer since it was created </a:t>
+            </a:r>
+          </a:p>
+          <a:p>
+            <a:pPr>
+              <a:buFont typeface="Wingdings" panose="05000000000000000000" pitchFamily="2" charset="2"/>
+              <a:buChar char="§"/>
+            </a:pPr>
+            <a:r>
+              <a:rPr lang="en-US" dirty="0"/>
+              <a:t> 7-Year Microsoft MVP </a:t>
+            </a:r>
+          </a:p>
+          <a:p>
+            <a:pPr>
+              <a:buFont typeface="Wingdings" panose="05000000000000000000" pitchFamily="2" charset="2"/>
+              <a:buChar char="§"/>
+            </a:pPr>
+            <a:r>
+              <a:rPr lang="en-US" dirty="0"/>
+              <a:t> Technical Author (3 Books) </a:t>
+            </a:r>
+          </a:p>
+          <a:p>
+            <a:pPr>
+              <a:buFont typeface="Wingdings" panose="05000000000000000000" pitchFamily="2" charset="2"/>
+              <a:buChar char="§"/>
+            </a:pPr>
+            <a:r>
+              <a:rPr lang="en-US" dirty="0"/>
+              <a:t> 100% plant-based Cross-fit hiking husband and dad </a:t>
+            </a:r>
+          </a:p>
+          <a:p>
+            <a:pPr>
+              <a:buFont typeface="Wingdings" panose="05000000000000000000" pitchFamily="2" charset="2"/>
+              <a:buChar char="§"/>
+            </a:pPr>
+            <a:r>
+              <a:rPr lang="en-US" dirty="0"/>
+              <a:t> Decent 9-Ball player</a:t>
+            </a:r>
+          </a:p>
+          <a:p>
+            <a:pPr marL="0" indent="0">
+              <a:buFont typeface="Calibri" panose="020F0502020204030204" pitchFamily="34" charset="0"/>
+              <a:buNone/>
+            </a:pPr>
+            <a:endParaRPr lang="en-US" dirty="0"/>
+          </a:p>
+        </p:txBody>
+      </p:sp>
     </p:spTree>
     <p:extLst>
       <p:ext uri="{BB962C8B-B14F-4D97-AF65-F5344CB8AC3E}">
@@ -3424,9 +4645,34 @@
         <p:spPr/>
         <p:txBody>
           <a:bodyPr>
-            <a:normAutofit lnSpcReduction="10000"/>
+            <a:normAutofit fontScale="85000" lnSpcReduction="20000"/>
           </a:bodyPr>
           <a:lstStyle/>
+          <a:p>
+            <a:r>
+              <a:rPr lang="en-US" dirty="0"/>
+              <a:t>[]+1 </a:t>
+            </a:r>
+          </a:p>
+          <a:p>
+            <a:r>
+              <a:rPr lang="en-US" dirty="0"/>
+              <a:t>[]-1</a:t>
+            </a:r>
+          </a:p>
+          <a:p>
+            <a:r>
+              <a:rPr lang="en-US" dirty="0"/>
+              <a:t>{}-1+{}</a:t>
+            </a:r>
+          </a:p>
+          <a:p>
+            <a:r>
+              <a:rPr lang="en-US" dirty="0"/>
+              <a:t>{}+1-{}</a:t>
+            </a:r>
+            <a:endParaRPr lang="en-US" dirty="0"/>
+          </a:p>
           <a:p>
             <a:r>
               <a:rPr lang="en-US" dirty="0"/>
@@ -3468,29 +4714,6 @@
               <a:rPr lang="en-US" dirty="0"/>
               <a:t>`BA${Array(2).join(‘Cool’-1)}A`</a:t>
             </a:r>
-          </a:p>
-          <a:p>
-            <a:r>
-              <a:rPr lang="en-US" dirty="0"/>
-              <a:t>result='';for(</a:t>
-            </a:r>
-            <a:r>
-              <a:rPr lang="en-US" dirty="0" err="1"/>
-              <a:t>idx</a:t>
-            </a:r>
-            <a:r>
-              <a:rPr lang="en-US" dirty="0"/>
-              <a:t>=0;idx&lt;5;idx++){result=`${result} ${</a:t>
-            </a:r>
-            <a:r>
-              <a:rPr lang="en-US" dirty="0" err="1"/>
-              <a:t>idx</a:t>
-            </a:r>
-            <a:r>
-              <a:rPr lang="en-US"/>
-              <a:t>} `;}console.log(result);</a:t>
-            </a:r>
-            <a:endParaRPr lang="en-US" dirty="0"/>
           </a:p>
         </p:txBody>
       </p:sp>
@@ -3541,80 +4764,58 @@
           <a:p>
             <a:r>
               <a:rPr lang="en-US" dirty="0"/>
-              <a:t>Evolution …</a:t>
+              <a:t>Yeah, that just happened!</a:t>
             </a:r>
           </a:p>
         </p:txBody>
       </p:sp>
       <p:pic>
         <p:nvPicPr>
-          <p:cNvPr id="10" name="Picture 9"/>
+          <p:cNvPr id="1026" name="Picture 2" descr="http://funny-pics.co/wp-content/uploads/weirdest-animal-ever-445x299.jpg"/>
           <p:cNvPicPr>
-            <a:picLocks noChangeAspect="1"/>
+            <a:picLocks noGrp="1" noChangeAspect="1" noChangeArrowheads="1"/>
           </p:cNvPicPr>
-          <p:nvPr/>
+          <p:nvPr>
+            <p:ph idx="1"/>
+          </p:nvPr>
         </p:nvPicPr>
         <p:blipFill>
-          <a:blip r:embed="rId2"/>
+          <a:blip r:embed="rId2">
+            <a:extLst>
+              <a:ext uri="{28A0092B-C50C-407E-A947-70E740481C1C}">
+                <a14:useLocalDpi xmlns:a14="http://schemas.microsoft.com/office/drawing/2010/main" val="0"/>
+              </a:ext>
+            </a:extLst>
+          </a:blip>
+          <a:srcRect/>
           <a:stretch>
             <a:fillRect/>
           </a:stretch>
         </p:blipFill>
-        <p:spPr>
+        <p:spPr bwMode="auto">
           <a:xfrm>
-            <a:off x="1130538" y="2671221"/>
-            <a:ext cx="9930923" cy="4057872"/>
+            <a:off x="3147536" y="1963439"/>
+            <a:ext cx="5957887" cy="4003165"/>
           </a:xfrm>
           <a:prstGeom prst="rect">
             <a:avLst/>
           </a:prstGeom>
+          <a:noFill/>
+          <a:extLst>
+            <a:ext uri="{909E8E84-426E-40DD-AFC4-6F175D3DCCD1}">
+              <a14:hiddenFill xmlns:a14="http://schemas.microsoft.com/office/drawing/2010/main">
+                <a:solidFill>
+                  <a:srgbClr val="FFFFFF"/>
+                </a:solidFill>
+              </a14:hiddenFill>
+            </a:ext>
+          </a:extLst>
         </p:spPr>
       </p:pic>
-      <p:sp>
-        <p:nvSpPr>
-          <p:cNvPr id="11" name="Right Arrow 10"/>
-          <p:cNvSpPr/>
-          <p:nvPr/>
-        </p:nvSpPr>
-        <p:spPr>
-          <a:xfrm rot="20401092">
-            <a:off x="6517597" y="2609442"/>
-            <a:ext cx="4015946" cy="626442"/>
-          </a:xfrm>
-          <a:prstGeom prst="rightArrow">
-            <a:avLst/>
-          </a:prstGeom>
-        </p:spPr>
-        <p:style>
-          <a:lnRef idx="1">
-            <a:schemeClr val="accent1"/>
-          </a:lnRef>
-          <a:fillRef idx="3">
-            <a:schemeClr val="accent1"/>
-          </a:fillRef>
-          <a:effectRef idx="2">
-            <a:schemeClr val="accent1"/>
-          </a:effectRef>
-          <a:fontRef idx="minor">
-            <a:schemeClr val="lt1"/>
-          </a:fontRef>
-        </p:style>
-        <p:txBody>
-          <a:bodyPr rtlCol="0" anchor="ctr"/>
-          <a:lstStyle/>
-          <a:p>
-            <a:pPr algn="ctr"/>
-            <a:r>
-              <a:rPr lang="en-US" dirty="0"/>
-              <a:t>Adoption</a:t>
-            </a:r>
-          </a:p>
-        </p:txBody>
-      </p:sp>
     </p:spTree>
     <p:extLst>
       <p:ext uri="{BB962C8B-B14F-4D97-AF65-F5344CB8AC3E}">
-        <p14:creationId xmlns:p14="http://schemas.microsoft.com/office/powerpoint/2010/main" val="2895182422"/>
+        <p14:creationId xmlns:p14="http://schemas.microsoft.com/office/powerpoint/2010/main" val="4068836012"/>
       </p:ext>
     </p:extLst>
   </p:cSld>
@@ -3658,99 +4859,72 @@
           <a:p>
             <a:r>
               <a:rPr lang="en-US" dirty="0"/>
-              <a:t>Harmony? ECMAScript 2015? Babel?</a:t>
-            </a:r>
-          </a:p>
-        </p:txBody>
-      </p:sp>
-      <p:sp>
-        <p:nvSpPr>
-          <p:cNvPr id="3" name="Content Placeholder 2"/>
-          <p:cNvSpPr>
-            <a:spLocks noGrp="1"/>
-          </p:cNvSpPr>
-          <p:nvPr>
-            <p:ph idx="1"/>
-          </p:nvPr>
-        </p:nvSpPr>
-        <p:spPr/>
-        <p:txBody>
-          <a:bodyPr/>
-          <a:lstStyle/>
-          <a:p>
-            <a:pPr marL="342900" indent="-342900"/>
+              <a:t>Evolution …</a:t>
+            </a:r>
+          </a:p>
+        </p:txBody>
+      </p:sp>
+      <p:pic>
+        <p:nvPicPr>
+          <p:cNvPr id="10" name="Picture 9"/>
+          <p:cNvPicPr>
+            <a:picLocks noChangeAspect="1"/>
+          </p:cNvPicPr>
+          <p:nvPr/>
+        </p:nvPicPr>
+        <p:blipFill>
+          <a:blip r:embed="rId2"/>
+          <a:stretch>
+            <a:fillRect/>
+          </a:stretch>
+        </p:blipFill>
+        <p:spPr>
+          <a:xfrm>
+            <a:off x="1130538" y="2671221"/>
+            <a:ext cx="9930923" cy="4057872"/>
+          </a:xfrm>
+          <a:prstGeom prst="rect">
+            <a:avLst/>
+          </a:prstGeom>
+        </p:spPr>
+      </p:pic>
+      <p:sp>
+        <p:nvSpPr>
+          <p:cNvPr id="11" name="Right Arrow 10"/>
+          <p:cNvSpPr/>
+          <p:nvPr/>
+        </p:nvSpPr>
+        <p:spPr>
+          <a:xfrm rot="20401092">
+            <a:off x="6517597" y="2609442"/>
+            <a:ext cx="4015946" cy="626442"/>
+          </a:xfrm>
+          <a:prstGeom prst="rightArrow">
+            <a:avLst/>
+          </a:prstGeom>
+        </p:spPr>
+        <p:style>
+          <a:lnRef idx="1">
+            <a:schemeClr val="accent1"/>
+          </a:lnRef>
+          <a:fillRef idx="3">
+            <a:schemeClr val="accent1"/>
+          </a:fillRef>
+          <a:effectRef idx="2">
+            <a:schemeClr val="accent1"/>
+          </a:effectRef>
+          <a:fontRef idx="minor">
+            <a:schemeClr val="lt1"/>
+          </a:fontRef>
+        </p:style>
+        <p:txBody>
+          <a:bodyPr rtlCol="0" anchor="ctr"/>
+          <a:lstStyle/>
+          <a:p>
+            <a:pPr algn="ctr"/>
             <a:r>
               <a:rPr lang="en-US" dirty="0"/>
-              <a:t>Popular Option </a:t>
-            </a:r>
-          </a:p>
-          <a:p>
-            <a:pPr marL="342900" indent="-342900"/>
-            <a:r>
-              <a:rPr lang="en-US" dirty="0"/>
-              <a:t>Introduces Classes, Lexical Scope, Lambda, etc. </a:t>
-            </a:r>
-          </a:p>
-          <a:p>
-            <a:pPr marL="342900" indent="-342900"/>
-            <a:r>
-              <a:rPr lang="en-US" dirty="0"/>
-              <a:t>Lacks:</a:t>
-            </a:r>
-          </a:p>
-          <a:p>
-            <a:pPr marL="1085850" lvl="1" indent="-342900"/>
-            <a:r>
-              <a:rPr lang="en-US" dirty="0"/>
-              <a:t>Interfaces </a:t>
-            </a:r>
-          </a:p>
-          <a:p>
-            <a:pPr marL="1085850" lvl="1" indent="-342900"/>
-            <a:r>
-              <a:rPr lang="en-US" dirty="0"/>
-              <a:t>Dynamic module affinity (</a:t>
-            </a:r>
-            <a:r>
-              <a:rPr lang="en-US" dirty="0" err="1"/>
-              <a:t>SystemJS</a:t>
-            </a:r>
-            <a:r>
-              <a:rPr lang="en-US" dirty="0"/>
-              <a:t>, </a:t>
-            </a:r>
-            <a:r>
-              <a:rPr lang="en-US" dirty="0" err="1"/>
-              <a:t>RequireJS</a:t>
-            </a:r>
-            <a:r>
-              <a:rPr lang="en-US" dirty="0"/>
-              <a:t>, etc.)</a:t>
-            </a:r>
-          </a:p>
-          <a:p>
-            <a:pPr marL="1085850" lvl="1" indent="-342900"/>
-            <a:r>
-              <a:rPr lang="en-US" dirty="0"/>
-              <a:t>External library definitions</a:t>
-            </a:r>
-          </a:p>
-          <a:p>
-            <a:pPr marL="1085850" lvl="1" indent="-342900"/>
-            <a:r>
-              <a:rPr lang="en-US" dirty="0"/>
-              <a:t>Generics </a:t>
-            </a:r>
-          </a:p>
-          <a:p>
-            <a:pPr marL="342900" indent="-342900"/>
-            <a:r>
-              <a:rPr lang="en-US" dirty="0" err="1"/>
-              <a:t>TypeScript</a:t>
-            </a:r>
-            <a:r>
-              <a:rPr lang="en-US" dirty="0"/>
-              <a:t> = Superscript and is “future-proof”</a:t>
+              <a:t>Adoption</a:t>
             </a:r>
           </a:p>
         </p:txBody>
@@ -3758,7 +4932,7 @@
     </p:spTree>
     <p:extLst>
       <p:ext uri="{BB962C8B-B14F-4D97-AF65-F5344CB8AC3E}">
-        <p14:creationId xmlns:p14="http://schemas.microsoft.com/office/powerpoint/2010/main" val="3429972241"/>
+        <p14:creationId xmlns:p14="http://schemas.microsoft.com/office/powerpoint/2010/main" val="2895182422"/>
       </p:ext>
     </p:extLst>
   </p:cSld>
@@ -3802,6 +4976,150 @@
           <a:p>
             <a:r>
               <a:rPr lang="en-US" dirty="0"/>
+              <a:t>Harmony? ECMAScript 2015? Babel?</a:t>
+            </a:r>
+          </a:p>
+        </p:txBody>
+      </p:sp>
+      <p:sp>
+        <p:nvSpPr>
+          <p:cNvPr id="3" name="Content Placeholder 2"/>
+          <p:cNvSpPr>
+            <a:spLocks noGrp="1"/>
+          </p:cNvSpPr>
+          <p:nvPr>
+            <p:ph idx="1"/>
+          </p:nvPr>
+        </p:nvSpPr>
+        <p:spPr/>
+        <p:txBody>
+          <a:bodyPr/>
+          <a:lstStyle/>
+          <a:p>
+            <a:pPr marL="342900" indent="-342900"/>
+            <a:r>
+              <a:rPr lang="en-US" dirty="0"/>
+              <a:t>Popular Option </a:t>
+            </a:r>
+          </a:p>
+          <a:p>
+            <a:pPr marL="342900" indent="-342900"/>
+            <a:r>
+              <a:rPr lang="en-US" dirty="0"/>
+              <a:t>Introduces Classes, Lexical Scope, Lambda, etc. </a:t>
+            </a:r>
+          </a:p>
+          <a:p>
+            <a:pPr marL="342900" indent="-342900"/>
+            <a:r>
+              <a:rPr lang="en-US" dirty="0"/>
+              <a:t>Lacks:</a:t>
+            </a:r>
+          </a:p>
+          <a:p>
+            <a:pPr marL="1085850" lvl="1" indent="-342900"/>
+            <a:r>
+              <a:rPr lang="en-US" dirty="0"/>
+              <a:t>Interfaces </a:t>
+            </a:r>
+          </a:p>
+          <a:p>
+            <a:pPr marL="1085850" lvl="1" indent="-342900"/>
+            <a:r>
+              <a:rPr lang="en-US" dirty="0"/>
+              <a:t>Dynamic module affinity (</a:t>
+            </a:r>
+            <a:r>
+              <a:rPr lang="en-US" dirty="0" err="1"/>
+              <a:t>SystemJS</a:t>
+            </a:r>
+            <a:r>
+              <a:rPr lang="en-US" dirty="0"/>
+              <a:t>, </a:t>
+            </a:r>
+            <a:r>
+              <a:rPr lang="en-US" dirty="0" err="1"/>
+              <a:t>RequireJS</a:t>
+            </a:r>
+            <a:r>
+              <a:rPr lang="en-US" dirty="0"/>
+              <a:t>, etc.)</a:t>
+            </a:r>
+          </a:p>
+          <a:p>
+            <a:pPr marL="1085850" lvl="1" indent="-342900"/>
+            <a:r>
+              <a:rPr lang="en-US" dirty="0"/>
+              <a:t>External library definitions</a:t>
+            </a:r>
+          </a:p>
+          <a:p>
+            <a:pPr marL="1085850" lvl="1" indent="-342900"/>
+            <a:r>
+              <a:rPr lang="en-US" dirty="0"/>
+              <a:t>Generics </a:t>
+            </a:r>
+          </a:p>
+          <a:p>
+            <a:pPr marL="342900" indent="-342900"/>
+            <a:r>
+              <a:rPr lang="en-US" dirty="0" err="1"/>
+              <a:t>TypeScript</a:t>
+            </a:r>
+            <a:r>
+              <a:rPr lang="en-US" dirty="0"/>
+              <a:t> = Superscript and is “future-proof”</a:t>
+            </a:r>
+          </a:p>
+        </p:txBody>
+      </p:sp>
+    </p:spTree>
+    <p:extLst>
+      <p:ext uri="{BB962C8B-B14F-4D97-AF65-F5344CB8AC3E}">
+        <p14:creationId xmlns:p14="http://schemas.microsoft.com/office/powerpoint/2010/main" val="3429972241"/>
+      </p:ext>
+    </p:extLst>
+  </p:cSld>
+  <p:clrMapOvr>
+    <a:masterClrMapping/>
+  </p:clrMapOvr>
+</p:sld>
+</file>
+
+<file path=ppt/slides/slide7.xml><?xml version="1.0" encoding="utf-8"?>
+<p:sld xmlns:a="http://schemas.openxmlformats.org/drawingml/2006/main" xmlns:r="http://schemas.openxmlformats.org/officeDocument/2006/relationships" xmlns:p="http://schemas.openxmlformats.org/presentationml/2006/main">
+  <p:cSld>
+    <p:spTree>
+      <p:nvGrpSpPr>
+        <p:cNvPr id="1" name=""/>
+        <p:cNvGrpSpPr/>
+        <p:nvPr/>
+      </p:nvGrpSpPr>
+      <p:grpSpPr>
+        <a:xfrm>
+          <a:off x="0" y="0"/>
+          <a:ext cx="0" cy="0"/>
+          <a:chOff x="0" y="0"/>
+          <a:chExt cx="0" cy="0"/>
+        </a:xfrm>
+      </p:grpSpPr>
+      <p:sp>
+        <p:nvSpPr>
+          <p:cNvPr id="2" name="Title 1"/>
+          <p:cNvSpPr>
+            <a:spLocks noGrp="1"/>
+          </p:cNvSpPr>
+          <p:nvPr>
+            <p:ph type="title"/>
+          </p:nvPr>
+        </p:nvSpPr>
+        <p:spPr/>
+        <p:txBody>
+          <a:bodyPr/>
+          <a:lstStyle/>
+          <a:p>
+            <a:r>
+              <a:rPr lang="en-US" dirty="0"/>
               <a:t>“The Real World”</a:t>
             </a:r>
           </a:p>
@@ -3820,7 +5138,7 @@
         <p:spPr/>
         <p:txBody>
           <a:bodyPr>
-            <a:normAutofit lnSpcReduction="10000"/>
+            <a:normAutofit/>
           </a:bodyPr>
           <a:lstStyle/>
           <a:p>
@@ -3928,262 +5246,6 @@
 </p:sld>
 </file>
 
-<file path=ppt/slides/slide7.xml><?xml version="1.0" encoding="utf-8"?>
-<p:sld xmlns:a="http://schemas.openxmlformats.org/drawingml/2006/main" xmlns:r="http://schemas.openxmlformats.org/officeDocument/2006/relationships" xmlns:p="http://schemas.openxmlformats.org/presentationml/2006/main">
-  <p:cSld>
-    <p:spTree>
-      <p:nvGrpSpPr>
-        <p:cNvPr id="1" name=""/>
-        <p:cNvGrpSpPr/>
-        <p:nvPr/>
-      </p:nvGrpSpPr>
-      <p:grpSpPr>
-        <a:xfrm>
-          <a:off x="0" y="0"/>
-          <a:ext cx="0" cy="0"/>
-          <a:chOff x="0" y="0"/>
-          <a:chExt cx="0" cy="0"/>
-        </a:xfrm>
-      </p:grpSpPr>
-      <p:sp>
-        <p:nvSpPr>
-          <p:cNvPr id="2" name="Title 1"/>
-          <p:cNvSpPr>
-            <a:spLocks noGrp="1"/>
-          </p:cNvSpPr>
-          <p:nvPr>
-            <p:ph type="title"/>
-          </p:nvPr>
-        </p:nvSpPr>
-        <p:spPr/>
-        <p:txBody>
-          <a:bodyPr/>
-          <a:lstStyle/>
-          <a:p>
-            <a:r>
-              <a:rPr lang="en-US" dirty="0"/>
-              <a:t>Quotable Quotes</a:t>
-            </a:r>
-          </a:p>
-        </p:txBody>
-      </p:sp>
-      <p:sp>
-        <p:nvSpPr>
-          <p:cNvPr id="3" name="Content Placeholder 2"/>
-          <p:cNvSpPr>
-            <a:spLocks noGrp="1"/>
-          </p:cNvSpPr>
-          <p:nvPr>
-            <p:ph idx="1"/>
-          </p:nvPr>
-        </p:nvSpPr>
-        <p:spPr>
-          <a:xfrm>
-            <a:off x="838200" y="1825625"/>
-            <a:ext cx="10515600" cy="4799668"/>
-          </a:xfrm>
-        </p:spPr>
-        <p:txBody>
-          <a:bodyPr>
-            <a:normAutofit lnSpcReduction="10000"/>
-          </a:bodyPr>
-          <a:lstStyle/>
-          <a:p>
-            <a:pPr lvl="0"/>
-            <a:r>
-              <a:rPr lang="en-US" dirty="0">
-                <a:solidFill>
-                  <a:prstClr val="black"/>
-                </a:solidFill>
-              </a:rPr>
-              <a:t>“I cannot say I have ever been a Microsoft fan but </a:t>
-            </a:r>
-            <a:r>
-              <a:rPr lang="en-US" dirty="0" err="1">
-                <a:solidFill>
-                  <a:prstClr val="black"/>
-                </a:solidFill>
-              </a:rPr>
-              <a:t>TypeScript</a:t>
-            </a:r>
-            <a:r>
-              <a:rPr lang="en-US" dirty="0">
-                <a:solidFill>
-                  <a:prstClr val="black"/>
-                </a:solidFill>
-              </a:rPr>
-              <a:t> has ‘softened’ me, it is easily </a:t>
-            </a:r>
-            <a:r>
-              <a:rPr lang="en-US" b="1" dirty="0">
-                <a:solidFill>
-                  <a:prstClr val="black"/>
-                </a:solidFill>
-              </a:rPr>
-              <a:t>one of the best web technologies to arrive in the past 3 years</a:t>
-            </a:r>
-            <a:r>
-              <a:rPr lang="en-US" dirty="0">
-                <a:solidFill>
-                  <a:prstClr val="black"/>
-                </a:solidFill>
-              </a:rPr>
-              <a:t>.” - </a:t>
-            </a:r>
-            <a:r>
-              <a:rPr lang="en-US" sz="1600" dirty="0">
-                <a:solidFill>
-                  <a:prstClr val="black"/>
-                </a:solidFill>
-                <a:hlinkClick r:id="rId2"/>
-              </a:rPr>
-              <a:t>https://tedpatrick.com/2013/06/25/7-months-with-typescript/</a:t>
-            </a:r>
-            <a:r>
-              <a:rPr lang="en-US" sz="1600" dirty="0">
-                <a:solidFill>
-                  <a:prstClr val="black"/>
-                </a:solidFill>
-              </a:rPr>
-              <a:t> </a:t>
-            </a:r>
-          </a:p>
-          <a:p>
-            <a:pPr lvl="0"/>
-            <a:r>
-              <a:rPr lang="en-US" dirty="0">
-                <a:solidFill>
-                  <a:prstClr val="black"/>
-                </a:solidFill>
-              </a:rPr>
-              <a:t>“Overall, </a:t>
-            </a:r>
-            <a:r>
-              <a:rPr lang="en-US" b="1" dirty="0" err="1">
-                <a:solidFill>
-                  <a:prstClr val="black"/>
-                </a:solidFill>
-              </a:rPr>
-              <a:t>TypeScript</a:t>
-            </a:r>
-            <a:r>
-              <a:rPr lang="en-US" b="1" dirty="0">
-                <a:solidFill>
-                  <a:prstClr val="black"/>
-                </a:solidFill>
-              </a:rPr>
-              <a:t> is wonderful to work with</a:t>
-            </a:r>
-            <a:r>
-              <a:rPr lang="en-US" dirty="0">
-                <a:solidFill>
-                  <a:prstClr val="black"/>
-                </a:solidFill>
-              </a:rPr>
-              <a:t>. It helps developers catch errors quickly, adds types and type-checking, and documents your progress so that if someone else wants to contribute, or you need to return to your work months later, you can easily pick up where you left off.” - </a:t>
-            </a:r>
-            <a:r>
-              <a:rPr lang="en-US" sz="1600" dirty="0">
-                <a:solidFill>
-                  <a:prstClr val="black"/>
-                </a:solidFill>
-                <a:hlinkClick r:id="rId3"/>
-              </a:rPr>
-              <a:t>http://www.livetiles.nyc/blog/typescript-a-digital-workplace-success-story/</a:t>
-            </a:r>
-            <a:r>
-              <a:rPr lang="en-US" dirty="0">
-                <a:solidFill>
-                  <a:prstClr val="black"/>
-                </a:solidFill>
-              </a:rPr>
-              <a:t> </a:t>
-            </a:r>
-          </a:p>
-          <a:p>
-            <a:pPr lvl="0"/>
-            <a:r>
-              <a:rPr lang="en-US" dirty="0">
-                <a:solidFill>
-                  <a:prstClr val="black"/>
-                </a:solidFill>
-              </a:rPr>
-              <a:t>“… we use </a:t>
-            </a:r>
-            <a:r>
-              <a:rPr lang="en-US" dirty="0" err="1">
-                <a:solidFill>
-                  <a:prstClr val="black"/>
-                </a:solidFill>
-              </a:rPr>
-              <a:t>TypeScript</a:t>
-            </a:r>
-            <a:r>
-              <a:rPr lang="en-US" dirty="0">
-                <a:solidFill>
-                  <a:prstClr val="black"/>
-                </a:solidFill>
-              </a:rPr>
-              <a:t> not because we’re part of Microsoft, but because we find tremendous value by </a:t>
-            </a:r>
-            <a:r>
-              <a:rPr lang="en-US" b="1" dirty="0">
-                <a:solidFill>
-                  <a:prstClr val="black"/>
-                </a:solidFill>
-              </a:rPr>
-              <a:t>improving our productivity and keeping our quality high which together allow us to move much faster</a:t>
-            </a:r>
-            <a:r>
-              <a:rPr lang="en-US" dirty="0">
-                <a:solidFill>
-                  <a:prstClr val="black"/>
-                </a:solidFill>
-              </a:rPr>
-              <a:t>.” - </a:t>
-            </a:r>
-            <a:r>
-              <a:rPr lang="en-US" sz="1600" dirty="0">
-                <a:solidFill>
-                  <a:prstClr val="black"/>
-                </a:solidFill>
-                <a:hlinkClick r:id="rId4"/>
-              </a:rPr>
-              <a:t>https://medium.com/@delveeng/why-we-love-typescript-bec2df88d6c2#.pzp9xp7an</a:t>
-            </a:r>
-            <a:r>
-              <a:rPr lang="en-US" sz="1600" dirty="0">
-                <a:solidFill>
-                  <a:prstClr val="black"/>
-                </a:solidFill>
-              </a:rPr>
-              <a:t> </a:t>
-            </a:r>
-          </a:p>
-          <a:p>
-            <a:endParaRPr lang="en-US" dirty="0"/>
-          </a:p>
-          <a:p>
-            <a:pPr marL="0" indent="0">
-              <a:buNone/>
-            </a:pPr>
-            <a:endParaRPr lang="en-US" dirty="0"/>
-          </a:p>
-        </p:txBody>
-      </p:sp>
-    </p:spTree>
-    <p:extLst>
-      <p:ext uri="{BB962C8B-B14F-4D97-AF65-F5344CB8AC3E}">
-        <p14:creationId xmlns:p14="http://schemas.microsoft.com/office/powerpoint/2010/main" val="1179847345"/>
-      </p:ext>
-    </p:extLst>
-  </p:cSld>
-  <p:clrMapOvr>
-    <a:masterClrMapping/>
-  </p:clrMapOvr>
-</p:sld>
-</file>
-
 <file path=ppt/slides/slide8.xml><?xml version="1.0" encoding="utf-8"?>
 <p:sld xmlns:a="http://schemas.openxmlformats.org/drawingml/2006/main" xmlns:r="http://schemas.openxmlformats.org/officeDocument/2006/relationships" xmlns:p="http://schemas.openxmlformats.org/presentationml/2006/main">
   <p:cSld>
@@ -4218,14 +5280,14 @@
           <a:p>
             <a:r>
               <a:rPr lang="en-US" dirty="0"/>
-              <a:t>The Basics</a:t>
-            </a:r>
-          </a:p>
-        </p:txBody>
-      </p:sp>
-      <p:sp>
-        <p:nvSpPr>
-          <p:cNvPr id="4" name="Content Placeholder 3"/>
+              <a:t>Quotable Quotes</a:t>
+            </a:r>
+          </a:p>
+        </p:txBody>
+      </p:sp>
+      <p:sp>
+        <p:nvSpPr>
+          <p:cNvPr id="3" name="Content Placeholder 2"/>
           <p:cNvSpPr>
             <a:spLocks noGrp="1"/>
           </p:cNvSpPr>
@@ -4233,72 +5295,204 @@
             <p:ph idx="1"/>
           </p:nvPr>
         </p:nvSpPr>
-        <p:spPr/>
-        <p:txBody>
-          <a:bodyPr/>
-          <a:lstStyle/>
-          <a:p>
-            <a:pPr marL="342900" indent="-342900">
-              <a:buFont typeface="Arial" panose="020B0604020202020204" pitchFamily="34" charset="0"/>
-              <a:buChar char="•"/>
-            </a:pPr>
-            <a:r>
-              <a:rPr lang="en-US" dirty="0"/>
-              <a:t>Types</a:t>
-            </a:r>
-          </a:p>
-          <a:p>
-            <a:pPr marL="342900" indent="-342900">
-              <a:buFont typeface="Arial" panose="020B0604020202020204" pitchFamily="34" charset="0"/>
-              <a:buChar char="•"/>
-            </a:pPr>
-            <a:r>
-              <a:rPr lang="en-US" dirty="0"/>
-              <a:t>Interfaces</a:t>
-            </a:r>
-          </a:p>
-          <a:p>
-            <a:pPr marL="342900" indent="-342900">
-              <a:buFont typeface="Arial" panose="020B0604020202020204" pitchFamily="34" charset="0"/>
-              <a:buChar char="•"/>
-            </a:pPr>
-            <a:r>
-              <a:rPr lang="en-US" dirty="0"/>
-              <a:t>Classes</a:t>
-            </a:r>
-          </a:p>
-          <a:p>
-            <a:pPr marL="342900" indent="-342900">
-              <a:buFont typeface="Arial" panose="020B0604020202020204" pitchFamily="34" charset="0"/>
-              <a:buChar char="•"/>
-            </a:pPr>
-            <a:r>
-              <a:rPr lang="en-US" dirty="0"/>
-              <a:t>Modules</a:t>
-            </a:r>
-          </a:p>
-          <a:p>
-            <a:pPr marL="342900" indent="-342900">
-              <a:buFont typeface="Arial" panose="020B0604020202020204" pitchFamily="34" charset="0"/>
-              <a:buChar char="•"/>
+        <p:spPr>
+          <a:xfrm>
+            <a:off x="838200" y="1825625"/>
+            <a:ext cx="10515600" cy="4799668"/>
+          </a:xfrm>
+        </p:spPr>
+        <p:txBody>
+          <a:bodyPr>
+            <a:normAutofit/>
+          </a:bodyPr>
+          <a:lstStyle/>
+          <a:p>
+            <a:pPr lvl="0"/>
+            <a:r>
+              <a:rPr lang="en-US" dirty="0">
+                <a:solidFill>
+                  <a:prstClr val="black"/>
+                </a:solidFill>
+              </a:rPr>
+              <a:t>“I cannot say I have ever been a Microsoft fan but </a:t>
+            </a:r>
+            <a:r>
+              <a:rPr lang="en-US" dirty="0" err="1">
+                <a:solidFill>
+                  <a:prstClr val="black"/>
+                </a:solidFill>
+              </a:rPr>
+              <a:t>TypeScript</a:t>
+            </a:r>
+            <a:r>
+              <a:rPr lang="en-US" dirty="0">
+                <a:solidFill>
+                  <a:prstClr val="black"/>
+                </a:solidFill>
+              </a:rPr>
+              <a:t> has ‘softened’ me, it is easily </a:t>
+            </a:r>
+            <a:r>
+              <a:rPr lang="en-US" b="1" dirty="0">
+                <a:solidFill>
+                  <a:prstClr val="black"/>
+                </a:solidFill>
+              </a:rPr>
+              <a:t>one of the best web technologies to arrive in the past 3 years</a:t>
+            </a:r>
+            <a:r>
+              <a:rPr lang="en-US" dirty="0">
+                <a:solidFill>
+                  <a:prstClr val="black"/>
+                </a:solidFill>
+              </a:rPr>
+              <a:t>.” - </a:t>
+            </a:r>
+            <a:r>
+              <a:rPr lang="en-US" sz="1600" dirty="0">
+                <a:solidFill>
+                  <a:prstClr val="black"/>
+                </a:solidFill>
+                <a:hlinkClick r:id="rId2"/>
+              </a:rPr>
+              <a:t>https://tedpatrick.com/2013/06/25/7-months-with-typescript/</a:t>
+            </a:r>
+            <a:r>
+              <a:rPr lang="en-US" sz="1600" dirty="0">
+                <a:solidFill>
+                  <a:prstClr val="black"/>
+                </a:solidFill>
+              </a:rPr>
+              <a:t> </a:t>
+            </a:r>
+          </a:p>
+          <a:p>
+            <a:pPr lvl="0"/>
+            <a:r>
+              <a:rPr lang="en-US" dirty="0">
+                <a:solidFill>
+                  <a:prstClr val="black"/>
+                </a:solidFill>
+              </a:rPr>
+              <a:t>“Overall, </a:t>
+            </a:r>
+            <a:r>
+              <a:rPr lang="en-US" b="1" dirty="0" err="1">
+                <a:solidFill>
+                  <a:prstClr val="black"/>
+                </a:solidFill>
+              </a:rPr>
+              <a:t>TypeScript</a:t>
+            </a:r>
+            <a:r>
+              <a:rPr lang="en-US" b="1" dirty="0">
+                <a:solidFill>
+                  <a:prstClr val="black"/>
+                </a:solidFill>
+              </a:rPr>
+              <a:t> is wonderful to work with</a:t>
+            </a:r>
+            <a:r>
+              <a:rPr lang="en-US" dirty="0">
+                <a:solidFill>
+                  <a:prstClr val="black"/>
+                </a:solidFill>
+              </a:rPr>
+              <a:t>. It helps developers catch errors quickly, adds types and type-checking, and documents your progress so that if someone else wants to contribute, or you need to return to your work months later, you can easily pick up where you left off.” - </a:t>
+            </a:r>
+            <a:r>
+              <a:rPr lang="en-US" sz="1600" dirty="0">
+                <a:solidFill>
+                  <a:prstClr val="black"/>
+                </a:solidFill>
+                <a:hlinkClick r:id="rId3"/>
+              </a:rPr>
+              <a:t>http://www.livetiles.nyc/blog/typescript-a-digital-workplace-success-story/</a:t>
+            </a:r>
+            <a:r>
+              <a:rPr lang="en-US" dirty="0">
+                <a:solidFill>
+                  <a:prstClr val="black"/>
+                </a:solidFill>
+              </a:rPr>
+              <a:t> </a:t>
+            </a:r>
+          </a:p>
+          <a:p>
+            <a:pPr lvl="0"/>
+            <a:r>
+              <a:rPr lang="en-US" dirty="0">
+                <a:solidFill>
+                  <a:prstClr val="black"/>
+                </a:solidFill>
+              </a:rPr>
+              <a:t>“… we use </a:t>
+            </a:r>
+            <a:r>
+              <a:rPr lang="en-US" dirty="0" err="1">
+                <a:solidFill>
+                  <a:prstClr val="black"/>
+                </a:solidFill>
+              </a:rPr>
+              <a:t>TypeScript</a:t>
+            </a:r>
+            <a:r>
+              <a:rPr lang="en-US" dirty="0">
+                <a:solidFill>
+                  <a:prstClr val="black"/>
+                </a:solidFill>
+              </a:rPr>
+              <a:t> not because we’re part of Microsoft, but because we find tremendous value by </a:t>
+            </a:r>
+            <a:r>
+              <a:rPr lang="en-US" b="1" dirty="0">
+                <a:solidFill>
+                  <a:prstClr val="black"/>
+                </a:solidFill>
+              </a:rPr>
+              <a:t>improving our productivity and keeping our quality high which together allow us to move much faster</a:t>
+            </a:r>
+            <a:r>
+              <a:rPr lang="en-US" dirty="0">
+                <a:solidFill>
+                  <a:prstClr val="black"/>
+                </a:solidFill>
+              </a:rPr>
+              <a:t>.” - </a:t>
+            </a:r>
+            <a:r>
+              <a:rPr lang="en-US" sz="1600" dirty="0">
+                <a:solidFill>
+                  <a:prstClr val="black"/>
+                </a:solidFill>
+                <a:hlinkClick r:id="rId4"/>
+              </a:rPr>
+              <a:t>https://medium.com/@delveeng/why-we-love-typescript-bec2df88d6c2#.pzp9xp7an</a:t>
+            </a:r>
+            <a:r>
+              <a:rPr lang="en-US" sz="1600" dirty="0">
+                <a:solidFill>
+                  <a:prstClr val="black"/>
+                </a:solidFill>
+              </a:rPr>
+              <a:t> </a:t>
+            </a:r>
+          </a:p>
+          <a:p>
+            <a:endParaRPr lang="en-US" dirty="0"/>
+          </a:p>
+          <a:p>
+            <a:pPr marL="0" indent="0">
+              <a:buNone/>
             </a:pPr>
             <a:endParaRPr lang="en-US" dirty="0"/>
-          </a:p>
-          <a:p>
-            <a:pPr marL="0" indent="0">
-              <a:buNone/>
-            </a:pPr>
-            <a:r>
-              <a:rPr lang="en-US" dirty="0"/>
-              <a:t>Run lab steps through 12b </a:t>
-            </a:r>
           </a:p>
         </p:txBody>
       </p:sp>
     </p:spTree>
     <p:extLst>
       <p:ext uri="{BB962C8B-B14F-4D97-AF65-F5344CB8AC3E}">
-        <p14:creationId xmlns:p14="http://schemas.microsoft.com/office/powerpoint/2010/main" val="4009056720"/>
+        <p14:creationId xmlns:p14="http://schemas.microsoft.com/office/powerpoint/2010/main" val="1179847345"/>
       </p:ext>
     </p:extLst>
   </p:cSld>
@@ -4342,81 +5536,58 @@
           <a:p>
             <a:r>
               <a:rPr lang="en-US" dirty="0"/>
-              <a:t>The Cool Stuff	</a:t>
-            </a:r>
-          </a:p>
-        </p:txBody>
-      </p:sp>
-      <p:sp>
-        <p:nvSpPr>
-          <p:cNvPr id="3" name="Content Placeholder 2"/>
-          <p:cNvSpPr>
-            <a:spLocks noGrp="1"/>
-          </p:cNvSpPr>
+              <a:t>Demo Time!</a:t>
+            </a:r>
+          </a:p>
+        </p:txBody>
+      </p:sp>
+      <p:pic>
+        <p:nvPicPr>
+          <p:cNvPr id="2050" name="Picture 2" descr="https://static01.nyt.com/images/2012/10/08/blogs/ibm-mainframe/ibm-mainframe-hpMedium.jpg"/>
+          <p:cNvPicPr>
+            <a:picLocks noGrp="1" noChangeAspect="1" noChangeArrowheads="1"/>
+          </p:cNvPicPr>
           <p:nvPr>
             <p:ph idx="1"/>
           </p:nvPr>
-        </p:nvSpPr>
-        <p:spPr/>
-        <p:txBody>
-          <a:bodyPr/>
-          <a:lstStyle/>
-          <a:p>
-            <a:pPr marL="342900" indent="-342900"/>
-            <a:r>
-              <a:rPr lang="en-US" dirty="0"/>
-              <a:t>Functions and Lambdas </a:t>
-            </a:r>
-          </a:p>
-          <a:p>
-            <a:pPr marL="342900" indent="-342900"/>
-            <a:r>
-              <a:rPr lang="en-US" dirty="0"/>
-              <a:t>Complex Type Definitions</a:t>
-            </a:r>
-          </a:p>
-          <a:p>
-            <a:pPr marL="342900" indent="-342900"/>
-            <a:r>
-              <a:rPr lang="en-US" dirty="0"/>
-              <a:t>Generics</a:t>
-            </a:r>
-          </a:p>
-          <a:p>
-            <a:pPr marL="342900" indent="-342900"/>
-            <a:r>
-              <a:rPr lang="en-US" dirty="0" err="1"/>
-              <a:t>Mixins</a:t>
-            </a:r>
-            <a:r>
-              <a:rPr lang="en-US" dirty="0"/>
-              <a:t> and Decorators</a:t>
-            </a:r>
-          </a:p>
-          <a:p>
-            <a:endParaRPr lang="en-US" dirty="0"/>
-          </a:p>
-          <a:p>
-            <a:pPr marL="0" indent="0">
-              <a:buNone/>
-            </a:pPr>
-            <a:r>
-              <a:rPr lang="en-US" dirty="0"/>
-              <a:t>Run lab steps 12c – 13 </a:t>
-            </a:r>
-          </a:p>
-          <a:p>
-            <a:pPr marL="0" indent="0">
-              <a:buNone/>
-            </a:pPr>
-            <a:endParaRPr lang="en-US" dirty="0"/>
-          </a:p>
-        </p:txBody>
-      </p:sp>
+        </p:nvPicPr>
+        <p:blipFill>
+          <a:blip r:embed="rId2">
+            <a:extLst>
+              <a:ext uri="{28A0092B-C50C-407E-A947-70E740481C1C}">
+                <a14:useLocalDpi xmlns:a14="http://schemas.microsoft.com/office/drawing/2010/main" val="0"/>
+              </a:ext>
+            </a:extLst>
+          </a:blip>
+          <a:srcRect/>
+          <a:stretch>
+            <a:fillRect/>
+          </a:stretch>
+        </p:blipFill>
+        <p:spPr bwMode="auto">
+          <a:xfrm>
+            <a:off x="3283267" y="1953773"/>
+            <a:ext cx="5686425" cy="4083427"/>
+          </a:xfrm>
+          <a:prstGeom prst="rect">
+            <a:avLst/>
+          </a:prstGeom>
+          <a:noFill/>
+          <a:extLst>
+            <a:ext uri="{909E8E84-426E-40DD-AFC4-6F175D3DCCD1}">
+              <a14:hiddenFill xmlns:a14="http://schemas.microsoft.com/office/drawing/2010/main">
+                <a:solidFill>
+                  <a:srgbClr val="FFFFFF"/>
+                </a:solidFill>
+              </a14:hiddenFill>
+            </a:ext>
+          </a:extLst>
+        </p:spPr>
+      </p:pic>
     </p:spTree>
     <p:extLst>
       <p:ext uri="{BB962C8B-B14F-4D97-AF65-F5344CB8AC3E}">
-        <p14:creationId xmlns:p14="http://schemas.microsoft.com/office/powerpoint/2010/main" val="1693049020"/>
+        <p14:creationId xmlns:p14="http://schemas.microsoft.com/office/powerpoint/2010/main" val="4009056720"/>
       </p:ext>
     </p:extLst>
   </p:cSld>
@@ -4427,54 +5598,54 @@
 </file>
 
 <file path=ppt/theme/theme1.xml><?xml version="1.0" encoding="utf-8"?>
-<a:theme xmlns:a="http://schemas.openxmlformats.org/drawingml/2006/main" name="Office Theme">
+<a:theme xmlns:a="http://schemas.openxmlformats.org/drawingml/2006/main" name="Retrospect">
   <a:themeElements>
-    <a:clrScheme name="Office">
+    <a:clrScheme name="Retrospect">
       <a:dk1>
-        <a:sysClr val="windowText" lastClr="000000"/>
+        <a:srgbClr val="000000"/>
       </a:dk1>
       <a:lt1>
         <a:sysClr val="window" lastClr="FFFFFF"/>
       </a:lt1>
       <a:dk2>
-        <a:srgbClr val="44546A"/>
+        <a:srgbClr val="637052"/>
       </a:dk2>
       <a:lt2>
-        <a:srgbClr val="E7E6E6"/>
+        <a:srgbClr val="CCDDEA"/>
       </a:lt2>
       <a:accent1>
-        <a:srgbClr val="5B9BD5"/>
+        <a:srgbClr val="E48312"/>
       </a:accent1>
       <a:accent2>
-        <a:srgbClr val="ED7D31"/>
+        <a:srgbClr val="BD582C"/>
       </a:accent2>
       <a:accent3>
-        <a:srgbClr val="A5A5A5"/>
+        <a:srgbClr val="865640"/>
       </a:accent3>
       <a:accent4>
-        <a:srgbClr val="FFC000"/>
+        <a:srgbClr val="9B8357"/>
       </a:accent4>
       <a:accent5>
-        <a:srgbClr val="4472C4"/>
+        <a:srgbClr val="C2BC80"/>
       </a:accent5>
       <a:accent6>
-        <a:srgbClr val="70AD47"/>
+        <a:srgbClr val="94A088"/>
       </a:accent6>
       <a:hlink>
-        <a:srgbClr val="0563C1"/>
+        <a:srgbClr val="2998E3"/>
       </a:hlink>
       <a:folHlink>
-        <a:srgbClr val="954F72"/>
+        <a:srgbClr val="8C8C8C"/>
       </a:folHlink>
     </a:clrScheme>
-    <a:fontScheme name="Office">
+    <a:fontScheme name="Retrospect">
       <a:majorFont>
         <a:latin typeface="Calibri Light" panose="020F0302020204030204"/>
         <a:ea typeface=""/>
         <a:cs typeface=""/>
-        <a:font script="Jpan" typeface="游ゴシック Light"/>
+        <a:font script="Jpan" typeface="ＭＳ Ｐゴシック"/>
         <a:font script="Hang" typeface="맑은 고딕"/>
-        <a:font script="Hans" typeface="等线 Light"/>
+        <a:font script="Hans" typeface="宋体"/>
         <a:font script="Hant" typeface="新細明體"/>
         <a:font script="Arab" typeface="Times New Roman"/>
         <a:font script="Hebr" typeface="Times New Roman"/>
@@ -4502,31 +5673,14 @@
         <a:font script="Viet" typeface="Times New Roman"/>
         <a:font script="Uigh" typeface="Microsoft Uighur"/>
         <a:font script="Geor" typeface="Sylfaen"/>
-        <a:font script="Armn" typeface="Arial"/>
-        <a:font script="Bugi" typeface="Leelawadee UI"/>
-        <a:font script="Bopo" typeface="Microsoft JhengHei"/>
-        <a:font script="Java" typeface="Javanese Text"/>
-        <a:font script="Lisu" typeface="Segoe UI"/>
-        <a:font script="Mymr" typeface="Myanmar Text"/>
-        <a:font script="Nkoo" typeface="Ebrima"/>
-        <a:font script="Olck" typeface="Nirmala UI"/>
-        <a:font script="Osma" typeface="Ebrima"/>
-        <a:font script="Phag" typeface="Phagspa"/>
-        <a:font script="Syrn" typeface="Estrangelo Edessa"/>
-        <a:font script="Syrj" typeface="Estrangelo Edessa"/>
-        <a:font script="Syre" typeface="Estrangelo Edessa"/>
-        <a:font script="Sora" typeface="Nirmala UI"/>
-        <a:font script="Tale" typeface="Microsoft Tai Le"/>
-        <a:font script="Talu" typeface="Microsoft New Tai Lue"/>
-        <a:font script="Tfng" typeface="Ebrima"/>
       </a:majorFont>
       <a:minorFont>
         <a:latin typeface="Calibri" panose="020F0502020204030204"/>
         <a:ea typeface=""/>
         <a:cs typeface=""/>
-        <a:font script="Jpan" typeface="游ゴシック"/>
+        <a:font script="Jpan" typeface="ＭＳ Ｐゴシック"/>
         <a:font script="Hang" typeface="맑은 고딕"/>
-        <a:font script="Hans" typeface="等线"/>
+        <a:font script="Hans" typeface="宋体"/>
         <a:font script="Hant" typeface="新細明體"/>
         <a:font script="Arab" typeface="Arial"/>
         <a:font script="Hebr" typeface="Arial"/>
@@ -4554,26 +5708,9 @@
         <a:font script="Viet" typeface="Arial"/>
         <a:font script="Uigh" typeface="Microsoft Uighur"/>
         <a:font script="Geor" typeface="Sylfaen"/>
-        <a:font script="Armn" typeface="Arial"/>
-        <a:font script="Bugi" typeface="Leelawadee UI"/>
-        <a:font script="Bopo" typeface="Microsoft JhengHei"/>
-        <a:font script="Java" typeface="Javanese Text"/>
-        <a:font script="Lisu" typeface="Segoe UI"/>
-        <a:font script="Mymr" typeface="Myanmar Text"/>
-        <a:font script="Nkoo" typeface="Ebrima"/>
-        <a:font script="Olck" typeface="Nirmala UI"/>
-        <a:font script="Osma" typeface="Ebrima"/>
-        <a:font script="Phag" typeface="Phagspa"/>
-        <a:font script="Syrn" typeface="Estrangelo Edessa"/>
-        <a:font script="Syrj" typeface="Estrangelo Edessa"/>
-        <a:font script="Syre" typeface="Estrangelo Edessa"/>
-        <a:font script="Sora" typeface="Nirmala UI"/>
-        <a:font script="Tale" typeface="Microsoft Tai Le"/>
-        <a:font script="Talu" typeface="Microsoft New Tai Lue"/>
-        <a:font script="Tfng" typeface="Ebrima"/>
       </a:minorFont>
     </a:fontScheme>
-    <a:fmtScheme name="Office">
+    <a:fmtScheme name="Retrospect">
       <a:fillStyleLst>
         <a:solidFill>
           <a:schemeClr val="phClr"/>
@@ -4582,76 +5719,81 @@
           <a:gsLst>
             <a:gs pos="0">
               <a:schemeClr val="phClr">
-                <a:lumMod val="110000"/>
-                <a:satMod val="105000"/>
-                <a:tint val="67000"/>
+                <a:tint val="65000"/>
+                <a:shade val="92000"/>
+                <a:satMod val="130000"/>
               </a:schemeClr>
             </a:gs>
-            <a:gs pos="50000">
+            <a:gs pos="45000">
               <a:schemeClr val="phClr">
-                <a:lumMod val="105000"/>
-                <a:satMod val="103000"/>
-                <a:tint val="73000"/>
+                <a:tint val="60000"/>
+                <a:shade val="99000"/>
+                <a:satMod val="120000"/>
               </a:schemeClr>
             </a:gs>
             <a:gs pos="100000">
               <a:schemeClr val="phClr">
-                <a:lumMod val="105000"/>
-                <a:satMod val="109000"/>
-                <a:tint val="81000"/>
+                <a:tint val="55000"/>
+                <a:satMod val="140000"/>
               </a:schemeClr>
             </a:gs>
           </a:gsLst>
-          <a:lin ang="5400000" scaled="0"/>
+          <a:path path="circle">
+            <a:fillToRect l="100000" t="100000" r="100000" b="100000"/>
+          </a:path>
         </a:gradFill>
         <a:gradFill rotWithShape="1">
           <a:gsLst>
             <a:gs pos="0">
               <a:schemeClr val="phClr">
-                <a:satMod val="103000"/>
-                <a:lumMod val="102000"/>
-                <a:tint val="94000"/>
+                <a:shade val="85000"/>
+                <a:satMod val="130000"/>
               </a:schemeClr>
             </a:gs>
-            <a:gs pos="50000">
+            <a:gs pos="34000">
               <a:schemeClr val="phClr">
-                <a:satMod val="110000"/>
-                <a:lumMod val="100000"/>
-                <a:shade val="100000"/>
+                <a:shade val="87000"/>
+                <a:satMod val="125000"/>
+              </a:schemeClr>
+            </a:gs>
+            <a:gs pos="70000">
+              <a:schemeClr val="phClr">
+                <a:tint val="100000"/>
+                <a:shade val="90000"/>
+                <a:satMod val="130000"/>
               </a:schemeClr>
             </a:gs>
             <a:gs pos="100000">
               <a:schemeClr val="phClr">
-                <a:lumMod val="99000"/>
-                <a:satMod val="120000"/>
-                <a:shade val="78000"/>
+                <a:tint val="100000"/>
+                <a:shade val="100000"/>
+                <a:satMod val="110000"/>
               </a:schemeClr>
             </a:gs>
           </a:gsLst>
-          <a:lin ang="5400000" scaled="0"/>
+          <a:path path="circle">
+            <a:fillToRect l="100000" t="100000" r="100000" b="100000"/>
+          </a:path>
         </a:gradFill>
       </a:fillStyleLst>
       <a:lnStyleLst>
-        <a:ln w="6350" cap="flat" cmpd="sng" algn="ctr">
-          <a:solidFill>
-            <a:schemeClr val="phClr"/>
-          </a:solidFill>
-          <a:prstDash val="solid"/>
-          <a:miter lim="800000"/>
-        </a:ln>
         <a:ln w="12700" cap="flat" cmpd="sng" algn="ctr">
           <a:solidFill>
             <a:schemeClr val="phClr"/>
           </a:solidFill>
           <a:prstDash val="solid"/>
-          <a:miter lim="800000"/>
         </a:ln>
-        <a:ln w="19050" cap="flat" cmpd="sng" algn="ctr">
+        <a:ln w="15875" cap="flat" cmpd="sng" algn="ctr">
           <a:solidFill>
             <a:schemeClr val="phClr"/>
           </a:solidFill>
           <a:prstDash val="solid"/>
-          <a:miter lim="800000"/>
+        </a:ln>
+        <a:ln w="25400" cap="flat" cmpd="sng" algn="ctr">
+          <a:solidFill>
+            <a:schemeClr val="phClr"/>
+          </a:solidFill>
+          <a:prstDash val="solid"/>
         </a:ln>
       </a:lnStyleLst>
       <a:effectStyleLst>
@@ -4659,16 +5801,33 @@
           <a:effectLst/>
         </a:effectStyle>
         <a:effectStyle>
-          <a:effectLst/>
+          <a:effectLst>
+            <a:outerShdw blurRad="38100" dist="25400" dir="2700000" algn="br" rotWithShape="0">
+              <a:srgbClr val="000000">
+                <a:alpha val="60000"/>
+              </a:srgbClr>
+            </a:outerShdw>
+          </a:effectLst>
         </a:effectStyle>
         <a:effectStyle>
           <a:effectLst>
-            <a:outerShdw blurRad="57150" dist="19050" dir="5400000" algn="ctr" rotWithShape="0">
+            <a:outerShdw blurRad="44450" dist="25400" dir="2700000" algn="br" rotWithShape="0">
               <a:srgbClr val="000000">
-                <a:alpha val="63000"/>
+                <a:alpha val="60000"/>
               </a:srgbClr>
             </a:outerShdw>
           </a:effectLst>
+          <a:scene3d>
+            <a:camera prst="orthographicFront">
+              <a:rot lat="0" lon="0" rev="0"/>
+            </a:camera>
+            <a:lightRig rig="threePt" dir="t">
+              <a:rot lat="0" lon="0" rev="19800000"/>
+            </a:lightRig>
+          </a:scene3d>
+          <a:sp3d prstMaterial="flat">
+            <a:bevelT w="25400" h="31750"/>
+          </a:sp3d>
         </a:effectStyle>
       </a:effectStyleLst>
       <a:bgFillStyleLst>
@@ -4677,36 +5836,36 @@
         </a:solidFill>
         <a:solidFill>
           <a:schemeClr val="phClr">
-            <a:tint val="95000"/>
-            <a:satMod val="170000"/>
+            <a:tint val="90000"/>
+            <a:shade val="97000"/>
+            <a:satMod val="130000"/>
           </a:schemeClr>
         </a:solidFill>
         <a:gradFill rotWithShape="1">
           <a:gsLst>
             <a:gs pos="0">
               <a:schemeClr val="phClr">
-                <a:tint val="93000"/>
-                <a:satMod val="150000"/>
-                <a:shade val="98000"/>
-                <a:lumMod val="102000"/>
+                <a:tint val="96000"/>
+                <a:shade val="99000"/>
+                <a:satMod val="140000"/>
               </a:schemeClr>
             </a:gs>
-            <a:gs pos="50000">
+            <a:gs pos="65000">
               <a:schemeClr val="phClr">
-                <a:tint val="98000"/>
+                <a:tint val="100000"/>
+                <a:shade val="80000"/>
                 <a:satMod val="130000"/>
-                <a:shade val="90000"/>
-                <a:lumMod val="103000"/>
               </a:schemeClr>
             </a:gs>
             <a:gs pos="100000">
               <a:schemeClr val="phClr">
-                <a:shade val="63000"/>
+                <a:tint val="100000"/>
+                <a:shade val="48000"/>
                 <a:satMod val="120000"/>
               </a:schemeClr>
             </a:gs>
           </a:gsLst>
-          <a:lin ang="5400000" scaled="0"/>
+          <a:lin ang="16200000" scaled="0"/>
         </a:gradFill>
       </a:bgFillStyleLst>
     </a:fmtScheme>
@@ -4715,7 +5874,7 @@
   <a:extraClrSchemeLst/>
   <a:extLst>
     <a:ext uri="{05A4C25C-085E-4340-85A3-A5531E510DB2}">
-      <thm15:themeFamily xmlns:thm15="http://schemas.microsoft.com/office/thememl/2012/main" name="Office Theme" id="{62F939B6-93AF-4DB8-9C6B-D6C7DFDC589F}" vid="{4A3C46E8-61CC-4603-A589-7422A47A8E4A}"/>
+      <thm15:themeFamily xmlns:thm15="http://schemas.microsoft.com/office/thememl/2012/main" name="Retrospect" id="{5F128B03-DCCA-4EEB-AB3B-CF2899314A46}" vid="{3F1AAB62-24C6-49D2-8E01-B56FAC9A3DCD}"/>
     </a:ext>
   </a:extLst>
 </a:theme>

--- a/ts.pptx
+++ b/ts.pptx
@@ -347,7 +347,7 @@
           <a:p>
             <a:fld id="{D5279824-C717-4B52-9E7D-7B6B13CAFE89}" type="datetimeFigureOut">
               <a:rPr lang="en-US" smtClean="0"/>
-              <a:t>3/18/2017</a:t>
+              <a:t>3/23/2017</a:t>
             </a:fld>
             <a:endParaRPr lang="en-US"/>
           </a:p>
@@ -555,7 +555,7 @@
           <a:p>
             <a:fld id="{D5279824-C717-4B52-9E7D-7B6B13CAFE89}" type="datetimeFigureOut">
               <a:rPr lang="en-US" smtClean="0"/>
-              <a:t>3/18/2017</a:t>
+              <a:t>3/23/2017</a:t>
             </a:fld>
             <a:endParaRPr lang="en-US"/>
           </a:p>
@@ -811,7 +811,7 @@
           <a:p>
             <a:fld id="{D5279824-C717-4B52-9E7D-7B6B13CAFE89}" type="datetimeFigureOut">
               <a:rPr lang="en-US" smtClean="0"/>
-              <a:t>3/18/2017</a:t>
+              <a:t>3/23/2017</a:t>
             </a:fld>
             <a:endParaRPr lang="en-US"/>
           </a:p>
@@ -985,7 +985,7 @@
           <a:p>
             <a:fld id="{D5279824-C717-4B52-9E7D-7B6B13CAFE89}" type="datetimeFigureOut">
               <a:rPr lang="en-US" smtClean="0"/>
-              <a:t>3/18/2017</a:t>
+              <a:t>3/23/2017</a:t>
             </a:fld>
             <a:endParaRPr lang="en-US"/>
           </a:p>
@@ -1328,7 +1328,7 @@
           <a:p>
             <a:fld id="{D5279824-C717-4B52-9E7D-7B6B13CAFE89}" type="datetimeFigureOut">
               <a:rPr lang="en-US" smtClean="0"/>
-              <a:t>3/18/2017</a:t>
+              <a:t>3/23/2017</a:t>
             </a:fld>
             <a:endParaRPr lang="en-US"/>
           </a:p>
@@ -1603,7 +1603,7 @@
           <a:p>
             <a:fld id="{D5279824-C717-4B52-9E7D-7B6B13CAFE89}" type="datetimeFigureOut">
               <a:rPr lang="en-US" smtClean="0"/>
-              <a:t>3/18/2017</a:t>
+              <a:t>3/23/2017</a:t>
             </a:fld>
             <a:endParaRPr lang="en-US"/>
           </a:p>
@@ -1982,7 +1982,7 @@
           <a:p>
             <a:fld id="{D5279824-C717-4B52-9E7D-7B6B13CAFE89}" type="datetimeFigureOut">
               <a:rPr lang="en-US" smtClean="0"/>
-              <a:t>3/18/2017</a:t>
+              <a:t>3/23/2017</a:t>
             </a:fld>
             <a:endParaRPr lang="en-US"/>
           </a:p>
@@ -2100,7 +2100,7 @@
           <a:p>
             <a:fld id="{D5279824-C717-4B52-9E7D-7B6B13CAFE89}" type="datetimeFigureOut">
               <a:rPr lang="en-US" smtClean="0"/>
-              <a:t>3/18/2017</a:t>
+              <a:t>3/23/2017</a:t>
             </a:fld>
             <a:endParaRPr lang="en-US"/>
           </a:p>
@@ -2271,7 +2271,7 @@
           <a:p>
             <a:fld id="{D5279824-C717-4B52-9E7D-7B6B13CAFE89}" type="datetimeFigureOut">
               <a:rPr lang="en-US" smtClean="0"/>
-              <a:t>3/18/2017</a:t>
+              <a:t>3/23/2017</a:t>
             </a:fld>
             <a:endParaRPr lang="en-US"/>
           </a:p>
@@ -2625,7 +2625,7 @@
           <a:p>
             <a:fld id="{D5279824-C717-4B52-9E7D-7B6B13CAFE89}" type="datetimeFigureOut">
               <a:rPr lang="en-US" smtClean="0"/>
-              <a:t>3/18/2017</a:t>
+              <a:t>3/23/2017</a:t>
             </a:fld>
             <a:endParaRPr lang="en-US"/>
           </a:p>
@@ -3007,7 +3007,7 @@
           <a:p>
             <a:fld id="{D5279824-C717-4B52-9E7D-7B6B13CAFE89}" type="datetimeFigureOut">
               <a:rPr lang="en-US" smtClean="0"/>
-              <a:t>3/18/2017</a:t>
+              <a:t>3/23/2017</a:t>
             </a:fld>
             <a:endParaRPr lang="en-US"/>
           </a:p>
@@ -3294,7 +3294,7 @@
           <a:p>
             <a:fld id="{D5279824-C717-4B52-9E7D-7B6B13CAFE89}" type="datetimeFigureOut">
               <a:rPr lang="en-US" smtClean="0"/>
-              <a:t>3/18/2017</a:t>
+              <a:t>3/23/2017</a:t>
             </a:fld>
             <a:endParaRPr lang="en-US"/>
           </a:p>
@@ -3956,12 +3956,19 @@
               <a:rPr lang="en-US" sz="3200" dirty="0">
                 <a:hlinkClick r:id="rId3"/>
               </a:rPr>
-              <a:t>http://bit.ly/coderbog</a:t>
-            </a:r>
-            <a:r>
-              <a:rPr lang="en-US" sz="3200" dirty="0"/>
+              <a:t>http</a:t>
+            </a:r>
+            <a:r>
+              <a:rPr lang="en-US" sz="3200">
+                <a:hlinkClick r:id="rId3"/>
+              </a:rPr>
+              <a:t>://bit.ly/coderblog</a:t>
+            </a:r>
+            <a:r>
+              <a:rPr lang="en-US" sz="3200"/>
               <a:t> </a:t>
             </a:r>
+            <a:endParaRPr lang="en-US" sz="3200" dirty="0"/>
           </a:p>
           <a:p>
             <a:endParaRPr lang="en-US" sz="3200" dirty="0"/>
@@ -4671,7 +4678,6 @@
               <a:rPr lang="en-US" dirty="0"/>
               <a:t>{}+1-{}</a:t>
             </a:r>
-            <a:endParaRPr lang="en-US" dirty="0"/>
           </a:p>
           <a:p>
             <a:r>
